--- a/Report/Power Bi.pptx
+++ b/Report/Power Bi.pptx
@@ -4,10 +4,26 @@
   <p:sldMasterIdLst>
     <p:sldMasterId id="2147483660" r:id="rId1"/>
   </p:sldMasterIdLst>
+  <p:notesMasterIdLst>
+    <p:notesMasterId r:id="rId18"/>
+  </p:notesMasterIdLst>
   <p:sldIdLst>
     <p:sldId id="256" r:id="rId2"/>
     <p:sldId id="257" r:id="rId3"/>
     <p:sldId id="258" r:id="rId4"/>
+    <p:sldId id="259" r:id="rId5"/>
+    <p:sldId id="262" r:id="rId6"/>
+    <p:sldId id="263" r:id="rId7"/>
+    <p:sldId id="260" r:id="rId8"/>
+    <p:sldId id="264" r:id="rId9"/>
+    <p:sldId id="265" r:id="rId10"/>
+    <p:sldId id="266" r:id="rId11"/>
+    <p:sldId id="267" r:id="rId12"/>
+    <p:sldId id="268" r:id="rId13"/>
+    <p:sldId id="269" r:id="rId14"/>
+    <p:sldId id="270" r:id="rId15"/>
+    <p:sldId id="271" r:id="rId16"/>
+    <p:sldId id="272" r:id="rId17"/>
   </p:sldIdLst>
   <p:sldSz cx="12192000" cy="6858000"/>
   <p:notesSz cx="6858000" cy="9144000"/>
@@ -123,6 +139,439 @@
     </p:ext>
   </p:extLst>
 </p:presentation>
+</file>
+
+<file path=ppt/notesMasters/notesMaster1.xml><?xml version="1.0" encoding="utf-8"?>
+<p:notesMaster xmlns:a="http://schemas.openxmlformats.org/drawingml/2006/main" xmlns:r="http://schemas.openxmlformats.org/officeDocument/2006/relationships" xmlns:p="http://schemas.openxmlformats.org/presentationml/2006/main">
+  <p:cSld>
+    <p:bg>
+      <p:bgRef idx="1001">
+        <a:schemeClr val="bg1"/>
+      </p:bgRef>
+    </p:bg>
+    <p:spTree>
+      <p:nvGrpSpPr>
+        <p:cNvPr id="1" name=""/>
+        <p:cNvGrpSpPr/>
+        <p:nvPr/>
+      </p:nvGrpSpPr>
+      <p:grpSpPr>
+        <a:xfrm>
+          <a:off x="0" y="0"/>
+          <a:ext cx="0" cy="0"/>
+          <a:chOff x="0" y="0"/>
+          <a:chExt cx="0" cy="0"/>
+        </a:xfrm>
+      </p:grpSpPr>
+      <p:sp>
+        <p:nvSpPr>
+          <p:cNvPr id="2" name="Верхний колонтитул 1"/>
+          <p:cNvSpPr>
+            <a:spLocks noGrp="1"/>
+          </p:cNvSpPr>
+          <p:nvPr>
+            <p:ph type="hdr" sz="quarter"/>
+          </p:nvPr>
+        </p:nvSpPr>
+        <p:spPr>
+          <a:xfrm>
+            <a:off x="0" y="0"/>
+            <a:ext cx="2971800" cy="458788"/>
+          </a:xfrm>
+          <a:prstGeom prst="rect">
+            <a:avLst/>
+          </a:prstGeom>
+        </p:spPr>
+        <p:txBody>
+          <a:bodyPr vert="horz" lIns="91440" tIns="45720" rIns="91440" bIns="45720" rtlCol="0"/>
+          <a:lstStyle>
+            <a:lvl1pPr algn="l">
+              <a:defRPr sz="1200"/>
+            </a:lvl1pPr>
+          </a:lstStyle>
+          <a:p>
+            <a:endParaRPr lang="ru-RU"/>
+          </a:p>
+        </p:txBody>
+      </p:sp>
+      <p:sp>
+        <p:nvSpPr>
+          <p:cNvPr id="3" name="Дата 2"/>
+          <p:cNvSpPr>
+            <a:spLocks noGrp="1"/>
+          </p:cNvSpPr>
+          <p:nvPr>
+            <p:ph type="dt" idx="1"/>
+          </p:nvPr>
+        </p:nvSpPr>
+        <p:spPr>
+          <a:xfrm>
+            <a:off x="3884613" y="0"/>
+            <a:ext cx="2971800" cy="458788"/>
+          </a:xfrm>
+          <a:prstGeom prst="rect">
+            <a:avLst/>
+          </a:prstGeom>
+        </p:spPr>
+        <p:txBody>
+          <a:bodyPr vert="horz" lIns="91440" tIns="45720" rIns="91440" bIns="45720" rtlCol="0"/>
+          <a:lstStyle>
+            <a:lvl1pPr algn="r">
+              <a:defRPr sz="1200"/>
+            </a:lvl1pPr>
+          </a:lstStyle>
+          <a:p>
+            <a:fld id="{13639B4F-46D2-4401-BF49-958195AD6A6C}" type="datetimeFigureOut">
+              <a:rPr lang="ru-RU" smtClean="0"/>
+              <a:t>12.12.2023</a:t>
+            </a:fld>
+            <a:endParaRPr lang="ru-RU"/>
+          </a:p>
+        </p:txBody>
+      </p:sp>
+      <p:sp>
+        <p:nvSpPr>
+          <p:cNvPr id="4" name="Образ слайда 3"/>
+          <p:cNvSpPr>
+            <a:spLocks noGrp="1" noRot="1" noChangeAspect="1"/>
+          </p:cNvSpPr>
+          <p:nvPr>
+            <p:ph type="sldImg" idx="2"/>
+          </p:nvPr>
+        </p:nvSpPr>
+        <p:spPr>
+          <a:xfrm>
+            <a:off x="685800" y="1143000"/>
+            <a:ext cx="5486400" cy="3086100"/>
+          </a:xfrm>
+          <a:prstGeom prst="rect">
+            <a:avLst/>
+          </a:prstGeom>
+          <a:noFill/>
+          <a:ln w="12700">
+            <a:solidFill>
+              <a:prstClr val="black"/>
+            </a:solidFill>
+          </a:ln>
+        </p:spPr>
+        <p:txBody>
+          <a:bodyPr vert="horz" lIns="91440" tIns="45720" rIns="91440" bIns="45720" rtlCol="0" anchor="ctr"/>
+          <a:lstStyle/>
+          <a:p>
+            <a:endParaRPr lang="ru-RU"/>
+          </a:p>
+        </p:txBody>
+      </p:sp>
+      <p:sp>
+        <p:nvSpPr>
+          <p:cNvPr id="5" name="Заметки 4"/>
+          <p:cNvSpPr>
+            <a:spLocks noGrp="1"/>
+          </p:cNvSpPr>
+          <p:nvPr>
+            <p:ph type="body" sz="quarter" idx="3"/>
+          </p:nvPr>
+        </p:nvSpPr>
+        <p:spPr>
+          <a:xfrm>
+            <a:off x="685800" y="4400550"/>
+            <a:ext cx="5486400" cy="3600450"/>
+          </a:xfrm>
+          <a:prstGeom prst="rect">
+            <a:avLst/>
+          </a:prstGeom>
+        </p:spPr>
+        <p:txBody>
+          <a:bodyPr vert="horz" lIns="91440" tIns="45720" rIns="91440" bIns="45720" rtlCol="0"/>
+          <a:lstStyle/>
+          <a:p>
+            <a:pPr lvl="0"/>
+            <a:r>
+              <a:rPr lang="ru-RU"/>
+              <a:t>Образец текста</a:t>
+            </a:r>
+          </a:p>
+          <a:p>
+            <a:pPr lvl="1"/>
+            <a:r>
+              <a:rPr lang="ru-RU"/>
+              <a:t>Второй уровень</a:t>
+            </a:r>
+          </a:p>
+          <a:p>
+            <a:pPr lvl="2"/>
+            <a:r>
+              <a:rPr lang="ru-RU"/>
+              <a:t>Третий уровень</a:t>
+            </a:r>
+          </a:p>
+          <a:p>
+            <a:pPr lvl="3"/>
+            <a:r>
+              <a:rPr lang="ru-RU"/>
+              <a:t>Четвертый уровень</a:t>
+            </a:r>
+          </a:p>
+          <a:p>
+            <a:pPr lvl="4"/>
+            <a:r>
+              <a:rPr lang="ru-RU"/>
+              <a:t>Пятый уровень</a:t>
+            </a:r>
+          </a:p>
+        </p:txBody>
+      </p:sp>
+      <p:sp>
+        <p:nvSpPr>
+          <p:cNvPr id="6" name="Нижний колонтитул 5"/>
+          <p:cNvSpPr>
+            <a:spLocks noGrp="1"/>
+          </p:cNvSpPr>
+          <p:nvPr>
+            <p:ph type="ftr" sz="quarter" idx="4"/>
+          </p:nvPr>
+        </p:nvSpPr>
+        <p:spPr>
+          <a:xfrm>
+            <a:off x="0" y="8685213"/>
+            <a:ext cx="2971800" cy="458787"/>
+          </a:xfrm>
+          <a:prstGeom prst="rect">
+            <a:avLst/>
+          </a:prstGeom>
+        </p:spPr>
+        <p:txBody>
+          <a:bodyPr vert="horz" lIns="91440" tIns="45720" rIns="91440" bIns="45720" rtlCol="0" anchor="b"/>
+          <a:lstStyle>
+            <a:lvl1pPr algn="l">
+              <a:defRPr sz="1200"/>
+            </a:lvl1pPr>
+          </a:lstStyle>
+          <a:p>
+            <a:endParaRPr lang="ru-RU"/>
+          </a:p>
+        </p:txBody>
+      </p:sp>
+      <p:sp>
+        <p:nvSpPr>
+          <p:cNvPr id="7" name="Номер слайда 6"/>
+          <p:cNvSpPr>
+            <a:spLocks noGrp="1"/>
+          </p:cNvSpPr>
+          <p:nvPr>
+            <p:ph type="sldNum" sz="quarter" idx="5"/>
+          </p:nvPr>
+        </p:nvSpPr>
+        <p:spPr>
+          <a:xfrm>
+            <a:off x="3884613" y="8685213"/>
+            <a:ext cx="2971800" cy="458787"/>
+          </a:xfrm>
+          <a:prstGeom prst="rect">
+            <a:avLst/>
+          </a:prstGeom>
+        </p:spPr>
+        <p:txBody>
+          <a:bodyPr vert="horz" lIns="91440" tIns="45720" rIns="91440" bIns="45720" rtlCol="0" anchor="b"/>
+          <a:lstStyle>
+            <a:lvl1pPr algn="r">
+              <a:defRPr sz="1200"/>
+            </a:lvl1pPr>
+          </a:lstStyle>
+          <a:p>
+            <a:fld id="{CB85F8E2-6921-45CF-9082-D4CB965F63F5}" type="slidenum">
+              <a:rPr lang="ru-RU" smtClean="0"/>
+              <a:t>‹#›</a:t>
+            </a:fld>
+            <a:endParaRPr lang="ru-RU"/>
+          </a:p>
+        </p:txBody>
+      </p:sp>
+    </p:spTree>
+    <p:extLst>
+      <p:ext uri="{BB962C8B-B14F-4D97-AF65-F5344CB8AC3E}">
+        <p14:creationId xmlns:p14="http://schemas.microsoft.com/office/powerpoint/2010/main" val="788916599"/>
+      </p:ext>
+    </p:extLst>
+  </p:cSld>
+  <p:clrMap bg1="lt1" tx1="dk1" bg2="lt2" tx2="dk2" accent1="accent1" accent2="accent2" accent3="accent3" accent4="accent4" accent5="accent5" accent6="accent6" hlink="hlink" folHlink="folHlink"/>
+  <p:notesStyle>
+    <a:lvl1pPr marL="0" algn="l" defTabSz="914400" rtl="0" eaLnBrk="1" latinLnBrk="0" hangingPunct="1">
+      <a:defRPr sz="1200" kern="1200">
+        <a:solidFill>
+          <a:schemeClr val="tx1"/>
+        </a:solidFill>
+        <a:latin typeface="+mn-lt"/>
+        <a:ea typeface="+mn-ea"/>
+        <a:cs typeface="+mn-cs"/>
+      </a:defRPr>
+    </a:lvl1pPr>
+    <a:lvl2pPr marL="457200" algn="l" defTabSz="914400" rtl="0" eaLnBrk="1" latinLnBrk="0" hangingPunct="1">
+      <a:defRPr sz="1200" kern="1200">
+        <a:solidFill>
+          <a:schemeClr val="tx1"/>
+        </a:solidFill>
+        <a:latin typeface="+mn-lt"/>
+        <a:ea typeface="+mn-ea"/>
+        <a:cs typeface="+mn-cs"/>
+      </a:defRPr>
+    </a:lvl2pPr>
+    <a:lvl3pPr marL="914400" algn="l" defTabSz="914400" rtl="0" eaLnBrk="1" latinLnBrk="0" hangingPunct="1">
+      <a:defRPr sz="1200" kern="1200">
+        <a:solidFill>
+          <a:schemeClr val="tx1"/>
+        </a:solidFill>
+        <a:latin typeface="+mn-lt"/>
+        <a:ea typeface="+mn-ea"/>
+        <a:cs typeface="+mn-cs"/>
+      </a:defRPr>
+    </a:lvl3pPr>
+    <a:lvl4pPr marL="1371600" algn="l" defTabSz="914400" rtl="0" eaLnBrk="1" latinLnBrk="0" hangingPunct="1">
+      <a:defRPr sz="1200" kern="1200">
+        <a:solidFill>
+          <a:schemeClr val="tx1"/>
+        </a:solidFill>
+        <a:latin typeface="+mn-lt"/>
+        <a:ea typeface="+mn-ea"/>
+        <a:cs typeface="+mn-cs"/>
+      </a:defRPr>
+    </a:lvl4pPr>
+    <a:lvl5pPr marL="1828800" algn="l" defTabSz="914400" rtl="0" eaLnBrk="1" latinLnBrk="0" hangingPunct="1">
+      <a:defRPr sz="1200" kern="1200">
+        <a:solidFill>
+          <a:schemeClr val="tx1"/>
+        </a:solidFill>
+        <a:latin typeface="+mn-lt"/>
+        <a:ea typeface="+mn-ea"/>
+        <a:cs typeface="+mn-cs"/>
+      </a:defRPr>
+    </a:lvl5pPr>
+    <a:lvl6pPr marL="2286000" algn="l" defTabSz="914400" rtl="0" eaLnBrk="1" latinLnBrk="0" hangingPunct="1">
+      <a:defRPr sz="1200" kern="1200">
+        <a:solidFill>
+          <a:schemeClr val="tx1"/>
+        </a:solidFill>
+        <a:latin typeface="+mn-lt"/>
+        <a:ea typeface="+mn-ea"/>
+        <a:cs typeface="+mn-cs"/>
+      </a:defRPr>
+    </a:lvl6pPr>
+    <a:lvl7pPr marL="2743200" algn="l" defTabSz="914400" rtl="0" eaLnBrk="1" latinLnBrk="0" hangingPunct="1">
+      <a:defRPr sz="1200" kern="1200">
+        <a:solidFill>
+          <a:schemeClr val="tx1"/>
+        </a:solidFill>
+        <a:latin typeface="+mn-lt"/>
+        <a:ea typeface="+mn-ea"/>
+        <a:cs typeface="+mn-cs"/>
+      </a:defRPr>
+    </a:lvl7pPr>
+    <a:lvl8pPr marL="3200400" algn="l" defTabSz="914400" rtl="0" eaLnBrk="1" latinLnBrk="0" hangingPunct="1">
+      <a:defRPr sz="1200" kern="1200">
+        <a:solidFill>
+          <a:schemeClr val="tx1"/>
+        </a:solidFill>
+        <a:latin typeface="+mn-lt"/>
+        <a:ea typeface="+mn-ea"/>
+        <a:cs typeface="+mn-cs"/>
+      </a:defRPr>
+    </a:lvl8pPr>
+    <a:lvl9pPr marL="3657600" algn="l" defTabSz="914400" rtl="0" eaLnBrk="1" latinLnBrk="0" hangingPunct="1">
+      <a:defRPr sz="1200" kern="1200">
+        <a:solidFill>
+          <a:schemeClr val="tx1"/>
+        </a:solidFill>
+        <a:latin typeface="+mn-lt"/>
+        <a:ea typeface="+mn-ea"/>
+        <a:cs typeface="+mn-cs"/>
+      </a:defRPr>
+    </a:lvl9pPr>
+  </p:notesStyle>
+</p:notesMaster>
+</file>
+
+<file path=ppt/notesSlides/notesSlide1.xml><?xml version="1.0" encoding="utf-8"?>
+<p:notes xmlns:a="http://schemas.openxmlformats.org/drawingml/2006/main" xmlns:r="http://schemas.openxmlformats.org/officeDocument/2006/relationships" xmlns:p="http://schemas.openxmlformats.org/presentationml/2006/main">
+  <p:cSld>
+    <p:spTree>
+      <p:nvGrpSpPr>
+        <p:cNvPr id="1" name=""/>
+        <p:cNvGrpSpPr/>
+        <p:nvPr/>
+      </p:nvGrpSpPr>
+      <p:grpSpPr>
+        <a:xfrm>
+          <a:off x="0" y="0"/>
+          <a:ext cx="0" cy="0"/>
+          <a:chOff x="0" y="0"/>
+          <a:chExt cx="0" cy="0"/>
+        </a:xfrm>
+      </p:grpSpPr>
+      <p:sp>
+        <p:nvSpPr>
+          <p:cNvPr id="2" name="Образ слайда 1"/>
+          <p:cNvSpPr>
+            <a:spLocks noGrp="1" noRot="1" noChangeAspect="1"/>
+          </p:cNvSpPr>
+          <p:nvPr>
+            <p:ph type="sldImg"/>
+          </p:nvPr>
+        </p:nvSpPr>
+        <p:spPr/>
+      </p:sp>
+      <p:sp>
+        <p:nvSpPr>
+          <p:cNvPr id="3" name="Заметки 2"/>
+          <p:cNvSpPr>
+            <a:spLocks noGrp="1"/>
+          </p:cNvSpPr>
+          <p:nvPr>
+            <p:ph type="body" idx="1"/>
+          </p:nvPr>
+        </p:nvSpPr>
+        <p:spPr/>
+        <p:txBody>
+          <a:bodyPr/>
+          <a:lstStyle/>
+          <a:p>
+            <a:endParaRPr lang="ru-RU" dirty="0"/>
+          </a:p>
+        </p:txBody>
+      </p:sp>
+      <p:sp>
+        <p:nvSpPr>
+          <p:cNvPr id="4" name="Номер слайда 3"/>
+          <p:cNvSpPr>
+            <a:spLocks noGrp="1"/>
+          </p:cNvSpPr>
+          <p:nvPr>
+            <p:ph type="sldNum" sz="quarter" idx="5"/>
+          </p:nvPr>
+        </p:nvSpPr>
+        <p:spPr/>
+        <p:txBody>
+          <a:bodyPr/>
+          <a:lstStyle/>
+          <a:p>
+            <a:fld id="{CB85F8E2-6921-45CF-9082-D4CB965F63F5}" type="slidenum">
+              <a:rPr lang="ru-RU" smtClean="0"/>
+              <a:t>10</a:t>
+            </a:fld>
+            <a:endParaRPr lang="ru-RU"/>
+          </a:p>
+        </p:txBody>
+      </p:sp>
+    </p:spTree>
+    <p:extLst>
+      <p:ext uri="{BB962C8B-B14F-4D97-AF65-F5344CB8AC3E}">
+        <p14:creationId xmlns:p14="http://schemas.microsoft.com/office/powerpoint/2010/main" val="28602447"/>
+      </p:ext>
+    </p:extLst>
+  </p:cSld>
+  <p:clrMapOvr>
+    <a:masterClrMapping/>
+  </p:clrMapOvr>
+</p:notes>
 </file>
 
 <file path=ppt/slideLayouts/slideLayout1.xml><?xml version="1.0" encoding="utf-8"?>
@@ -7763,7 +8212,7 @@
       </p:grpSpPr>
       <p:sp>
         <p:nvSpPr>
-          <p:cNvPr id="2" name="Заголовок 1">
+          <p:cNvPr id="2" name="!!Заголовок 1">
             <a:extLst>
               <a:ext uri="{FF2B5EF4-FFF2-40B4-BE49-F238E27FC236}">
                 <a16:creationId xmlns:a16="http://schemas.microsoft.com/office/drawing/2014/main" id="{4FCBE6BC-1503-4CAF-96A3-EE8D59317A55}"/>
@@ -7810,7 +8259,7 @@
       </p:sp>
       <p:sp>
         <p:nvSpPr>
-          <p:cNvPr id="3" name="Подзаголовок 2">
+          <p:cNvPr id="3" name="!!Подзаголовок 2">
             <a:extLst>
               <a:ext uri="{FF2B5EF4-FFF2-40B4-BE49-F238E27FC236}">
                 <a16:creationId xmlns:a16="http://schemas.microsoft.com/office/drawing/2014/main" id="{65E4B4F3-B1A4-4E6F-91EE-629A110A1C8C}"/>
@@ -7868,10 +8317,247 @@
       </p:sp>
       <p:pic>
         <p:nvPicPr>
-          <p:cNvPr id="4" name="Picture 2">
+          <p:cNvPr id="8" name="!!Рисунок 7">
             <a:extLst>
               <a:ext uri="{FF2B5EF4-FFF2-40B4-BE49-F238E27FC236}">
-                <a16:creationId xmlns:a16="http://schemas.microsoft.com/office/drawing/2014/main" id="{EBEA702C-8CBB-4B88-9A8A-0C9232BC1475}"/>
+                <a16:creationId xmlns:a16="http://schemas.microsoft.com/office/drawing/2014/main" id="{68419029-2674-4AD0-9C19-4EF4A7F80EED}"/>
+              </a:ext>
+            </a:extLst>
+          </p:cNvPr>
+          <p:cNvPicPr>
+            <a:picLocks noChangeAspect="1"/>
+          </p:cNvPicPr>
+          <p:nvPr/>
+        </p:nvPicPr>
+        <p:blipFill>
+          <a:blip r:embed="rId2">
+            <a:extLst>
+              <a:ext uri="{28A0092B-C50C-407E-A947-70E740481C1C}">
+                <a14:useLocalDpi xmlns:a14="http://schemas.microsoft.com/office/drawing/2010/main" val="0"/>
+              </a:ext>
+            </a:extLst>
+          </a:blip>
+          <a:stretch>
+            <a:fillRect/>
+          </a:stretch>
+        </p:blipFill>
+        <p:spPr>
+          <a:xfrm>
+            <a:off x="9695871" y="2427851"/>
+            <a:ext cx="2002298" cy="2002298"/>
+          </a:xfrm>
+          <a:prstGeom prst="rect">
+            <a:avLst/>
+          </a:prstGeom>
+        </p:spPr>
+      </p:pic>
+      <p:sp>
+        <p:nvSpPr>
+          <p:cNvPr id="9" name="!!Объект 2">
+            <a:extLst>
+              <a:ext uri="{FF2B5EF4-FFF2-40B4-BE49-F238E27FC236}">
+                <a16:creationId xmlns:a16="http://schemas.microsoft.com/office/drawing/2014/main" id="{0A9A29C8-E0B3-4DC6-9A0E-45D5029FEC89}"/>
+              </a:ext>
+            </a:extLst>
+          </p:cNvPr>
+          <p:cNvSpPr txBox="1">
+            <a:spLocks/>
+          </p:cNvSpPr>
+          <p:nvPr/>
+        </p:nvSpPr>
+        <p:spPr>
+          <a:xfrm>
+            <a:off x="1356643" y="6984005"/>
+            <a:ext cx="9613861" cy="1174014"/>
+          </a:xfrm>
+          <a:prstGeom prst="rect">
+            <a:avLst/>
+          </a:prstGeom>
+        </p:spPr>
+        <p:txBody>
+          <a:bodyPr vert="horz" lIns="91440" tIns="45720" rIns="91440" bIns="45720" rtlCol="0">
+            <a:normAutofit/>
+          </a:bodyPr>
+          <a:lstStyle>
+            <a:lvl1pPr marL="0" indent="0" algn="r" defTabSz="914400" rtl="0" eaLnBrk="1" latinLnBrk="0" hangingPunct="1">
+              <a:lnSpc>
+                <a:spcPct val="90000"/>
+              </a:lnSpc>
+              <a:spcBef>
+                <a:spcPts val="1000"/>
+              </a:spcBef>
+              <a:buFont typeface="Arial" panose="020B0604020202020204" pitchFamily="34" charset="0"/>
+              <a:buNone/>
+              <a:defRPr sz="2000" kern="1200">
+                <a:solidFill>
+                  <a:schemeClr val="tx1"/>
+                </a:solidFill>
+                <a:latin typeface="+mn-lt"/>
+                <a:ea typeface="+mn-ea"/>
+                <a:cs typeface="+mn-cs"/>
+              </a:defRPr>
+            </a:lvl1pPr>
+            <a:lvl2pPr marL="457200" indent="0" algn="ctr" defTabSz="914400" rtl="0" eaLnBrk="1" latinLnBrk="0" hangingPunct="1">
+              <a:lnSpc>
+                <a:spcPct val="90000"/>
+              </a:lnSpc>
+              <a:spcBef>
+                <a:spcPts val="500"/>
+              </a:spcBef>
+              <a:buFont typeface="Arial" panose="020B0604020202020204" pitchFamily="34" charset="0"/>
+              <a:buNone/>
+              <a:defRPr sz="2000" kern="1200">
+                <a:solidFill>
+                  <a:schemeClr val="tx1"/>
+                </a:solidFill>
+                <a:latin typeface="+mn-lt"/>
+                <a:ea typeface="+mn-ea"/>
+                <a:cs typeface="+mn-cs"/>
+              </a:defRPr>
+            </a:lvl2pPr>
+            <a:lvl3pPr marL="914400" indent="0" algn="ctr" defTabSz="914400" rtl="0" eaLnBrk="1" latinLnBrk="0" hangingPunct="1">
+              <a:lnSpc>
+                <a:spcPct val="90000"/>
+              </a:lnSpc>
+              <a:spcBef>
+                <a:spcPts val="500"/>
+              </a:spcBef>
+              <a:buFont typeface="Arial" panose="020B0604020202020204" pitchFamily="34" charset="0"/>
+              <a:buNone/>
+              <a:defRPr sz="1800" kern="1200">
+                <a:solidFill>
+                  <a:schemeClr val="tx1"/>
+                </a:solidFill>
+                <a:latin typeface="+mn-lt"/>
+                <a:ea typeface="+mn-ea"/>
+                <a:cs typeface="+mn-cs"/>
+              </a:defRPr>
+            </a:lvl3pPr>
+            <a:lvl4pPr marL="1371600" indent="0" algn="ctr" defTabSz="914400" rtl="0" eaLnBrk="1" latinLnBrk="0" hangingPunct="1">
+              <a:lnSpc>
+                <a:spcPct val="90000"/>
+              </a:lnSpc>
+              <a:spcBef>
+                <a:spcPts val="500"/>
+              </a:spcBef>
+              <a:buFont typeface="Arial" panose="020B0604020202020204" pitchFamily="34" charset="0"/>
+              <a:buNone/>
+              <a:defRPr sz="1600" kern="1200">
+                <a:solidFill>
+                  <a:schemeClr val="tx1"/>
+                </a:solidFill>
+                <a:latin typeface="+mn-lt"/>
+                <a:ea typeface="+mn-ea"/>
+                <a:cs typeface="+mn-cs"/>
+              </a:defRPr>
+            </a:lvl4pPr>
+            <a:lvl5pPr marL="1828800" indent="0" algn="ctr" defTabSz="914400" rtl="0" eaLnBrk="1" latinLnBrk="0" hangingPunct="1">
+              <a:lnSpc>
+                <a:spcPct val="90000"/>
+              </a:lnSpc>
+              <a:spcBef>
+                <a:spcPts val="500"/>
+              </a:spcBef>
+              <a:buFont typeface="Arial" panose="020B0604020202020204" pitchFamily="34" charset="0"/>
+              <a:buNone/>
+              <a:defRPr sz="1600" kern="1200">
+                <a:solidFill>
+                  <a:schemeClr val="tx1"/>
+                </a:solidFill>
+                <a:latin typeface="+mn-lt"/>
+                <a:ea typeface="+mn-ea"/>
+                <a:cs typeface="+mn-cs"/>
+              </a:defRPr>
+            </a:lvl5pPr>
+            <a:lvl6pPr marL="2286000" indent="0" algn="ctr" defTabSz="914400" rtl="0" eaLnBrk="1" latinLnBrk="0" hangingPunct="1">
+              <a:lnSpc>
+                <a:spcPct val="90000"/>
+              </a:lnSpc>
+              <a:spcBef>
+                <a:spcPts val="500"/>
+              </a:spcBef>
+              <a:buFont typeface="Arial" panose="020B0604020202020204" pitchFamily="34" charset="0"/>
+              <a:buNone/>
+              <a:defRPr sz="1600" kern="1200">
+                <a:solidFill>
+                  <a:schemeClr val="tx1"/>
+                </a:solidFill>
+                <a:latin typeface="+mn-lt"/>
+                <a:ea typeface="+mn-ea"/>
+                <a:cs typeface="+mn-cs"/>
+              </a:defRPr>
+            </a:lvl6pPr>
+            <a:lvl7pPr marL="2743200" indent="0" algn="ctr" defTabSz="914400" rtl="0" eaLnBrk="1" latinLnBrk="0" hangingPunct="1">
+              <a:lnSpc>
+                <a:spcPct val="90000"/>
+              </a:lnSpc>
+              <a:spcBef>
+                <a:spcPts val="500"/>
+              </a:spcBef>
+              <a:buFont typeface="Arial" panose="020B0604020202020204" pitchFamily="34" charset="0"/>
+              <a:buNone/>
+              <a:defRPr sz="1600" kern="1200">
+                <a:solidFill>
+                  <a:schemeClr val="tx1"/>
+                </a:solidFill>
+                <a:latin typeface="+mn-lt"/>
+                <a:ea typeface="+mn-ea"/>
+                <a:cs typeface="+mn-cs"/>
+              </a:defRPr>
+            </a:lvl7pPr>
+            <a:lvl8pPr marL="3200400" indent="0" algn="ctr" defTabSz="914400" rtl="0" eaLnBrk="1" latinLnBrk="0" hangingPunct="1">
+              <a:lnSpc>
+                <a:spcPct val="90000"/>
+              </a:lnSpc>
+              <a:spcBef>
+                <a:spcPts val="500"/>
+              </a:spcBef>
+              <a:buFont typeface="Arial" panose="020B0604020202020204" pitchFamily="34" charset="0"/>
+              <a:buNone/>
+              <a:defRPr sz="1600" kern="1200">
+                <a:solidFill>
+                  <a:schemeClr val="tx1"/>
+                </a:solidFill>
+                <a:latin typeface="+mn-lt"/>
+                <a:ea typeface="+mn-ea"/>
+                <a:cs typeface="+mn-cs"/>
+              </a:defRPr>
+            </a:lvl8pPr>
+            <a:lvl9pPr marL="3657600" indent="0" algn="ctr" defTabSz="914400" rtl="0" eaLnBrk="1" latinLnBrk="0" hangingPunct="1">
+              <a:lnSpc>
+                <a:spcPct val="90000"/>
+              </a:lnSpc>
+              <a:spcBef>
+                <a:spcPts val="500"/>
+              </a:spcBef>
+              <a:buFont typeface="Arial" panose="020B0604020202020204" pitchFamily="34" charset="0"/>
+              <a:buNone/>
+              <a:defRPr sz="1600" kern="1200">
+                <a:solidFill>
+                  <a:schemeClr val="tx1"/>
+                </a:solidFill>
+                <a:latin typeface="+mn-lt"/>
+                <a:ea typeface="+mn-ea"/>
+                <a:cs typeface="+mn-cs"/>
+              </a:defRPr>
+            </a:lvl9pPr>
+          </a:lstStyle>
+          <a:p>
+            <a:pPr algn="just"/>
+            <a:r>
+              <a:rPr lang="ru-RU"/>
+              <a:t>платформа бизнес-аналитики, которая позволяет пользователям собирать, анализировать и визуализировать данные из различных источников.</a:t>
+            </a:r>
+            <a:endParaRPr lang="ru-RU" dirty="0"/>
+          </a:p>
+        </p:txBody>
+      </p:sp>
+      <p:pic>
+        <p:nvPicPr>
+          <p:cNvPr id="10" name="!!Picture 4">
+            <a:extLst>
+              <a:ext uri="{FF2B5EF4-FFF2-40B4-BE49-F238E27FC236}">
+                <a16:creationId xmlns:a16="http://schemas.microsoft.com/office/drawing/2014/main" id="{8A9406EF-735F-4C96-A99D-30443C9F80B9}"/>
               </a:ext>
             </a:extLst>
           </p:cNvPr>
@@ -7881,7 +8567,7 @@
           <p:nvPr/>
         </p:nvPicPr>
         <p:blipFill>
-          <a:blip r:embed="rId2">
+          <a:blip r:embed="rId3">
             <a:extLst>
               <a:ext uri="{28A0092B-C50C-407E-A947-70E740481C1C}">
                 <a14:useLocalDpi xmlns:a14="http://schemas.microsoft.com/office/drawing/2010/main" val="0"/>
@@ -7895,8 +8581,8 @@
         </p:blipFill>
         <p:spPr bwMode="auto">
           <a:xfrm>
-            <a:off x="9512488" y="2589310"/>
-            <a:ext cx="2285474" cy="1679380"/>
+            <a:off x="2956211" y="8158019"/>
+            <a:ext cx="6076378" cy="3237570"/>
           </a:xfrm>
           <a:prstGeom prst="rect">
             <a:avLst/>
@@ -7917,6 +8603,1171 @@
     <p:extLst>
       <p:ext uri="{BB962C8B-B14F-4D97-AF65-F5344CB8AC3E}">
         <p14:creationId xmlns:p14="http://schemas.microsoft.com/office/powerpoint/2010/main" val="756474395"/>
+      </p:ext>
+    </p:extLst>
+  </p:cSld>
+  <p:clrMapOvr>
+    <a:masterClrMapping/>
+  </p:clrMapOvr>
+  <mc:AlternateContent xmlns:mc="http://schemas.openxmlformats.org/markup-compatibility/2006" xmlns:p159="http://schemas.microsoft.com/office/powerpoint/2015/09/main">
+    <mc:Choice Requires="p159">
+      <p:transition xmlns:p14="http://schemas.microsoft.com/office/powerpoint/2010/main" spd="slow" p14:dur="2000">
+        <p159:morph option="byObject"/>
+      </p:transition>
+    </mc:Choice>
+    <mc:Fallback xmlns="">
+      <p:transition spd="slow">
+        <p:fade/>
+      </p:transition>
+    </mc:Fallback>
+  </mc:AlternateContent>
+</p:sld>
+</file>
+
+<file path=ppt/slides/slide10.xml><?xml version="1.0" encoding="utf-8"?>
+<p:sld xmlns:a="http://schemas.openxmlformats.org/drawingml/2006/main" xmlns:r="http://schemas.openxmlformats.org/officeDocument/2006/relationships" xmlns:p="http://schemas.openxmlformats.org/presentationml/2006/main">
+  <p:cSld>
+    <p:spTree>
+      <p:nvGrpSpPr>
+        <p:cNvPr id="1" name=""/>
+        <p:cNvGrpSpPr/>
+        <p:nvPr/>
+      </p:nvGrpSpPr>
+      <p:grpSpPr>
+        <a:xfrm>
+          <a:off x="0" y="0"/>
+          <a:ext cx="0" cy="0"/>
+          <a:chOff x="0" y="0"/>
+          <a:chExt cx="0" cy="0"/>
+        </a:xfrm>
+      </p:grpSpPr>
+      <p:sp>
+        <p:nvSpPr>
+          <p:cNvPr id="2" name="Заголовок 1">
+            <a:extLst>
+              <a:ext uri="{FF2B5EF4-FFF2-40B4-BE49-F238E27FC236}">
+                <a16:creationId xmlns:a16="http://schemas.microsoft.com/office/drawing/2014/main" id="{0FAA3057-9B82-4AA1-96EA-FBF21E79D008}"/>
+              </a:ext>
+            </a:extLst>
+          </p:cNvPr>
+          <p:cNvSpPr>
+            <a:spLocks noGrp="1"/>
+          </p:cNvSpPr>
+          <p:nvPr>
+            <p:ph type="title"/>
+          </p:nvPr>
+        </p:nvSpPr>
+        <p:spPr>
+          <a:xfrm>
+            <a:off x="680321" y="737084"/>
+            <a:ext cx="9613861" cy="1080938"/>
+          </a:xfrm>
+        </p:spPr>
+        <p:txBody>
+          <a:bodyPr>
+            <a:normAutofit/>
+          </a:bodyPr>
+          <a:lstStyle/>
+          <a:p>
+            <a:r>
+              <a:rPr lang="ru-RU" dirty="0" err="1"/>
+              <a:t>Дашборды</a:t>
+            </a:r>
+            <a:r>
+              <a:rPr lang="ru-RU" dirty="0"/>
+              <a:t> в Power BI</a:t>
+            </a:r>
+          </a:p>
+        </p:txBody>
+      </p:sp>
+      <p:pic>
+        <p:nvPicPr>
+          <p:cNvPr id="6" name="Рисунок 5">
+            <a:extLst>
+              <a:ext uri="{FF2B5EF4-FFF2-40B4-BE49-F238E27FC236}">
+                <a16:creationId xmlns:a16="http://schemas.microsoft.com/office/drawing/2014/main" id="{AD10B80C-BDFE-4454-B91D-41D38800850A}"/>
+              </a:ext>
+            </a:extLst>
+          </p:cNvPr>
+          <p:cNvPicPr>
+            <a:picLocks noChangeAspect="1"/>
+          </p:cNvPicPr>
+          <p:nvPr/>
+        </p:nvPicPr>
+        <p:blipFill>
+          <a:blip r:embed="rId3">
+            <a:extLst>
+              <a:ext uri="{28A0092B-C50C-407E-A947-70E740481C1C}">
+                <a14:useLocalDpi xmlns:a14="http://schemas.microsoft.com/office/drawing/2010/main" val="0"/>
+              </a:ext>
+            </a:extLst>
+          </a:blip>
+          <a:stretch>
+            <a:fillRect/>
+          </a:stretch>
+        </p:blipFill>
+        <p:spPr>
+          <a:xfrm>
+            <a:off x="10409103" y="303057"/>
+            <a:ext cx="2002298" cy="2002298"/>
+          </a:xfrm>
+          <a:prstGeom prst="rect">
+            <a:avLst/>
+          </a:prstGeom>
+        </p:spPr>
+      </p:pic>
+      <p:sp>
+        <p:nvSpPr>
+          <p:cNvPr id="11" name="Объект 2">
+            <a:extLst>
+              <a:ext uri="{FF2B5EF4-FFF2-40B4-BE49-F238E27FC236}">
+                <a16:creationId xmlns:a16="http://schemas.microsoft.com/office/drawing/2014/main" id="{EC32EF7B-A8F3-47F1-B967-7C34ECC5A149}"/>
+              </a:ext>
+            </a:extLst>
+          </p:cNvPr>
+          <p:cNvSpPr>
+            <a:spLocks noGrp="1"/>
+          </p:cNvSpPr>
+          <p:nvPr>
+            <p:ph idx="1"/>
+          </p:nvPr>
+        </p:nvSpPr>
+        <p:spPr>
+          <a:xfrm>
+            <a:off x="680321" y="2305355"/>
+            <a:ext cx="9613861" cy="3599316"/>
+          </a:xfrm>
+        </p:spPr>
+        <p:txBody>
+          <a:bodyPr/>
+          <a:lstStyle/>
+          <a:p>
+            <a:pPr marL="0" indent="442913" defTabSz="803275"/>
+            <a:r>
+              <a:rPr lang="ru-RU" dirty="0"/>
+              <a:t>Интерактивные панели мониторинга: </a:t>
+            </a:r>
+            <a:r>
+              <a:rPr lang="ru-RU" dirty="0" err="1"/>
+              <a:t>Дашборды</a:t>
+            </a:r>
+            <a:r>
+              <a:rPr lang="ru-RU" dirty="0"/>
+              <a:t> Power BI позволяют создавать интерактивные панели мониторинга, которые отображают ключевые показатели и тенденции.</a:t>
+            </a:r>
+          </a:p>
+          <a:p>
+            <a:pPr marL="0" indent="442913" defTabSz="803275"/>
+            <a:r>
+              <a:rPr lang="ru-RU" dirty="0"/>
+              <a:t>Гибкие: </a:t>
+            </a:r>
+            <a:r>
+              <a:rPr lang="ru-RU" dirty="0" err="1"/>
+              <a:t>Дашборды</a:t>
+            </a:r>
+            <a:r>
+              <a:rPr lang="ru-RU" dirty="0"/>
+              <a:t> Power BI можно легко настроить в соответствии с вашими потребностями.</a:t>
+            </a:r>
+          </a:p>
+          <a:p>
+            <a:pPr marL="0" indent="442913" defTabSz="803275"/>
+            <a:r>
+              <a:rPr lang="ru-RU" dirty="0"/>
+              <a:t>Мобильные: </a:t>
+            </a:r>
+            <a:r>
+              <a:rPr lang="ru-RU" dirty="0" err="1"/>
+              <a:t>Дашборды</a:t>
+            </a:r>
+            <a:r>
+              <a:rPr lang="ru-RU" dirty="0"/>
+              <a:t> Power BI можно просматривать на мобильных устройствах.</a:t>
+            </a:r>
+          </a:p>
+        </p:txBody>
+      </p:sp>
+    </p:spTree>
+    <p:extLst>
+      <p:ext uri="{BB962C8B-B14F-4D97-AF65-F5344CB8AC3E}">
+        <p14:creationId xmlns:p14="http://schemas.microsoft.com/office/powerpoint/2010/main" val="290894569"/>
+      </p:ext>
+    </p:extLst>
+  </p:cSld>
+  <p:clrMapOvr>
+    <a:masterClrMapping/>
+  </p:clrMapOvr>
+  <p:transition spd="slow">
+    <p:push dir="u"/>
+  </p:transition>
+</p:sld>
+</file>
+
+<file path=ppt/slides/slide11.xml><?xml version="1.0" encoding="utf-8"?>
+<p:sld xmlns:a="http://schemas.openxmlformats.org/drawingml/2006/main" xmlns:r="http://schemas.openxmlformats.org/officeDocument/2006/relationships" xmlns:p="http://schemas.openxmlformats.org/presentationml/2006/main">
+  <p:cSld>
+    <p:spTree>
+      <p:nvGrpSpPr>
+        <p:cNvPr id="1" name=""/>
+        <p:cNvGrpSpPr/>
+        <p:nvPr/>
+      </p:nvGrpSpPr>
+      <p:grpSpPr>
+        <a:xfrm>
+          <a:off x="0" y="0"/>
+          <a:ext cx="0" cy="0"/>
+          <a:chOff x="0" y="0"/>
+          <a:chExt cx="0" cy="0"/>
+        </a:xfrm>
+      </p:grpSpPr>
+      <p:sp>
+        <p:nvSpPr>
+          <p:cNvPr id="7" name="TextBox 6">
+            <a:extLst>
+              <a:ext uri="{FF2B5EF4-FFF2-40B4-BE49-F238E27FC236}">
+                <a16:creationId xmlns:a16="http://schemas.microsoft.com/office/drawing/2014/main" id="{A43A13DD-D759-4BCB-A6CE-31937F0C0417}"/>
+              </a:ext>
+            </a:extLst>
+          </p:cNvPr>
+          <p:cNvSpPr txBox="1"/>
+          <p:nvPr/>
+        </p:nvSpPr>
+        <p:spPr>
+          <a:xfrm>
+            <a:off x="3048000" y="3246643"/>
+            <a:ext cx="6096000" cy="369332"/>
+          </a:xfrm>
+          <a:prstGeom prst="rect">
+            <a:avLst/>
+          </a:prstGeom>
+          <a:noFill/>
+        </p:spPr>
+        <p:txBody>
+          <a:bodyPr wrap="square">
+            <a:spAutoFit/>
+          </a:bodyPr>
+          <a:lstStyle/>
+          <a:p>
+            <a:r>
+              <a:rPr lang="ru-RU" b="0" i="0" dirty="0">
+                <a:solidFill>
+                  <a:srgbClr val="E3E3E3"/>
+                </a:solidFill>
+                <a:effectLst/>
+                <a:latin typeface="Google Sans"/>
+              </a:rPr>
+              <a:t>Подготовка данных в Power BI</a:t>
+            </a:r>
+            <a:endParaRPr lang="ru-RU" dirty="0"/>
+          </a:p>
+        </p:txBody>
+      </p:sp>
+      <p:pic>
+        <p:nvPicPr>
+          <p:cNvPr id="10" name="Рисунок 9">
+            <a:extLst>
+              <a:ext uri="{FF2B5EF4-FFF2-40B4-BE49-F238E27FC236}">
+                <a16:creationId xmlns:a16="http://schemas.microsoft.com/office/drawing/2014/main" id="{D57C306C-17A9-467F-B054-BC9C3DA406D7}"/>
+              </a:ext>
+            </a:extLst>
+          </p:cNvPr>
+          <p:cNvPicPr>
+            <a:picLocks noChangeAspect="1"/>
+          </p:cNvPicPr>
+          <p:nvPr/>
+        </p:nvPicPr>
+        <p:blipFill>
+          <a:blip r:embed="rId2">
+            <a:extLst>
+              <a:ext uri="{28A0092B-C50C-407E-A947-70E740481C1C}">
+                <a14:useLocalDpi xmlns:a14="http://schemas.microsoft.com/office/drawing/2010/main" val="0"/>
+              </a:ext>
+            </a:extLst>
+          </a:blip>
+          <a:stretch>
+            <a:fillRect/>
+          </a:stretch>
+        </p:blipFill>
+        <p:spPr>
+          <a:xfrm>
+            <a:off x="10409103" y="303057"/>
+            <a:ext cx="2002298" cy="2002298"/>
+          </a:xfrm>
+          <a:prstGeom prst="rect">
+            <a:avLst/>
+          </a:prstGeom>
+        </p:spPr>
+      </p:pic>
+      <p:sp>
+        <p:nvSpPr>
+          <p:cNvPr id="12" name="Заголовок 1">
+            <a:extLst>
+              <a:ext uri="{FF2B5EF4-FFF2-40B4-BE49-F238E27FC236}">
+                <a16:creationId xmlns:a16="http://schemas.microsoft.com/office/drawing/2014/main" id="{9D1E8AD5-FDF2-4042-A103-18EB8D8AF63B}"/>
+              </a:ext>
+            </a:extLst>
+          </p:cNvPr>
+          <p:cNvSpPr>
+            <a:spLocks noGrp="1"/>
+          </p:cNvSpPr>
+          <p:nvPr>
+            <p:ph type="title"/>
+          </p:nvPr>
+        </p:nvSpPr>
+        <p:spPr>
+          <a:xfrm>
+            <a:off x="680321" y="737084"/>
+            <a:ext cx="9613861" cy="1080938"/>
+          </a:xfrm>
+        </p:spPr>
+        <p:txBody>
+          <a:bodyPr>
+            <a:normAutofit/>
+          </a:bodyPr>
+          <a:lstStyle/>
+          <a:p>
+            <a:r>
+              <a:rPr lang="ru-RU" dirty="0" err="1"/>
+              <a:t>Дашборды</a:t>
+            </a:r>
+            <a:r>
+              <a:rPr lang="ru-RU" dirty="0"/>
+              <a:t> в Power BI</a:t>
+            </a:r>
+          </a:p>
+        </p:txBody>
+      </p:sp>
+      <p:pic>
+        <p:nvPicPr>
+          <p:cNvPr id="13" name="Рисунок 12">
+            <a:extLst>
+              <a:ext uri="{FF2B5EF4-FFF2-40B4-BE49-F238E27FC236}">
+                <a16:creationId xmlns:a16="http://schemas.microsoft.com/office/drawing/2014/main" id="{0350F07D-BBB1-41E9-A124-3FC383C509A4}"/>
+              </a:ext>
+            </a:extLst>
+          </p:cNvPr>
+          <p:cNvPicPr>
+            <a:picLocks noChangeAspect="1"/>
+          </p:cNvPicPr>
+          <p:nvPr/>
+        </p:nvPicPr>
+        <p:blipFill>
+          <a:blip r:embed="rId3">
+            <a:extLst>
+              <a:ext uri="{28A0092B-C50C-407E-A947-70E740481C1C}">
+                <a14:useLocalDpi xmlns:a14="http://schemas.microsoft.com/office/drawing/2010/main" val="0"/>
+              </a:ext>
+            </a:extLst>
+          </a:blip>
+          <a:stretch>
+            <a:fillRect/>
+          </a:stretch>
+        </p:blipFill>
+        <p:spPr>
+          <a:xfrm>
+            <a:off x="2125855" y="2120376"/>
+            <a:ext cx="7940290" cy="4608313"/>
+          </a:xfrm>
+          <a:prstGeom prst="rect">
+            <a:avLst/>
+          </a:prstGeom>
+        </p:spPr>
+      </p:pic>
+    </p:spTree>
+    <p:extLst>
+      <p:ext uri="{BB962C8B-B14F-4D97-AF65-F5344CB8AC3E}">
+        <p14:creationId xmlns:p14="http://schemas.microsoft.com/office/powerpoint/2010/main" val="1552153483"/>
+      </p:ext>
+    </p:extLst>
+  </p:cSld>
+  <p:clrMapOvr>
+    <a:masterClrMapping/>
+  </p:clrMapOvr>
+  <mc:AlternateContent xmlns:mc="http://schemas.openxmlformats.org/markup-compatibility/2006" xmlns:p14="http://schemas.microsoft.com/office/powerpoint/2010/main">
+    <mc:Choice Requires="p14">
+      <p:transition spd="med" p14:dur="700">
+        <p:fade/>
+      </p:transition>
+    </mc:Choice>
+    <mc:Fallback xmlns="">
+      <p:transition spd="med">
+        <p:fade/>
+      </p:transition>
+    </mc:Fallback>
+  </mc:AlternateContent>
+</p:sld>
+</file>
+
+<file path=ppt/slides/slide12.xml><?xml version="1.0" encoding="utf-8"?>
+<p:sld xmlns:a="http://schemas.openxmlformats.org/drawingml/2006/main" xmlns:r="http://schemas.openxmlformats.org/officeDocument/2006/relationships" xmlns:p="http://schemas.openxmlformats.org/presentationml/2006/main">
+  <p:cSld>
+    <p:spTree>
+      <p:nvGrpSpPr>
+        <p:cNvPr id="1" name=""/>
+        <p:cNvGrpSpPr/>
+        <p:nvPr/>
+      </p:nvGrpSpPr>
+      <p:grpSpPr>
+        <a:xfrm>
+          <a:off x="0" y="0"/>
+          <a:ext cx="0" cy="0"/>
+          <a:chOff x="0" y="0"/>
+          <a:chExt cx="0" cy="0"/>
+        </a:xfrm>
+      </p:grpSpPr>
+      <p:sp>
+        <p:nvSpPr>
+          <p:cNvPr id="2" name="Заголовок 1">
+            <a:extLst>
+              <a:ext uri="{FF2B5EF4-FFF2-40B4-BE49-F238E27FC236}">
+                <a16:creationId xmlns:a16="http://schemas.microsoft.com/office/drawing/2014/main" id="{40EE1497-FB77-47D2-8232-4B05B4BFC390}"/>
+              </a:ext>
+            </a:extLst>
+          </p:cNvPr>
+          <p:cNvSpPr>
+            <a:spLocks noGrp="1"/>
+          </p:cNvSpPr>
+          <p:nvPr>
+            <p:ph type="title"/>
+          </p:nvPr>
+        </p:nvSpPr>
+        <p:spPr/>
+        <p:txBody>
+          <a:bodyPr/>
+          <a:lstStyle/>
+          <a:p>
+            <a:r>
+              <a:rPr lang="ru-RU" dirty="0"/>
+              <a:t>Кто использует </a:t>
+            </a:r>
+            <a:r>
+              <a:rPr lang="en-US" dirty="0"/>
+              <a:t>Power BI?</a:t>
+            </a:r>
+            <a:endParaRPr lang="ru-RU" dirty="0"/>
+          </a:p>
+        </p:txBody>
+      </p:sp>
+      <p:sp>
+        <p:nvSpPr>
+          <p:cNvPr id="3" name="Объект 2">
+            <a:extLst>
+              <a:ext uri="{FF2B5EF4-FFF2-40B4-BE49-F238E27FC236}">
+                <a16:creationId xmlns:a16="http://schemas.microsoft.com/office/drawing/2014/main" id="{96CD4184-4555-40BC-9D4E-0FBAE0285161}"/>
+              </a:ext>
+            </a:extLst>
+          </p:cNvPr>
+          <p:cNvSpPr>
+            <a:spLocks noGrp="1"/>
+          </p:cNvSpPr>
+          <p:nvPr>
+            <p:ph idx="1"/>
+          </p:nvPr>
+        </p:nvSpPr>
+        <p:spPr>
+          <a:xfrm>
+            <a:off x="680321" y="2336873"/>
+            <a:ext cx="9728782" cy="3599316"/>
+          </a:xfrm>
+        </p:spPr>
+        <p:txBody>
+          <a:bodyPr>
+            <a:normAutofit/>
+          </a:bodyPr>
+          <a:lstStyle/>
+          <a:p>
+            <a:pPr marL="0" indent="442913" algn="just" defTabSz="804863">
+              <a:buNone/>
+            </a:pPr>
+            <a:r>
+              <a:rPr lang="ru-RU" dirty="0"/>
+              <a:t>Power BI используется различными организациями по всему миру, от небольших стартапов до крупных предприятий, правительственных учреждений, некоммерческих организаций и образовательных учреждений.</a:t>
+            </a:r>
+          </a:p>
+        </p:txBody>
+      </p:sp>
+      <p:pic>
+        <p:nvPicPr>
+          <p:cNvPr id="4" name="Рисунок 3">
+            <a:extLst>
+              <a:ext uri="{FF2B5EF4-FFF2-40B4-BE49-F238E27FC236}">
+                <a16:creationId xmlns:a16="http://schemas.microsoft.com/office/drawing/2014/main" id="{BE1DFEEF-48EE-4143-B24C-4743CD0D0077}"/>
+              </a:ext>
+            </a:extLst>
+          </p:cNvPr>
+          <p:cNvPicPr>
+            <a:picLocks noChangeAspect="1"/>
+          </p:cNvPicPr>
+          <p:nvPr/>
+        </p:nvPicPr>
+        <p:blipFill>
+          <a:blip r:embed="rId2">
+            <a:extLst>
+              <a:ext uri="{28A0092B-C50C-407E-A947-70E740481C1C}">
+                <a14:useLocalDpi xmlns:a14="http://schemas.microsoft.com/office/drawing/2010/main" val="0"/>
+              </a:ext>
+            </a:extLst>
+          </a:blip>
+          <a:stretch>
+            <a:fillRect/>
+          </a:stretch>
+        </p:blipFill>
+        <p:spPr>
+          <a:xfrm>
+            <a:off x="10409103" y="303057"/>
+            <a:ext cx="2002298" cy="2002298"/>
+          </a:xfrm>
+          <a:prstGeom prst="rect">
+            <a:avLst/>
+          </a:prstGeom>
+        </p:spPr>
+      </p:pic>
+    </p:spTree>
+    <p:extLst>
+      <p:ext uri="{BB962C8B-B14F-4D97-AF65-F5344CB8AC3E}">
+        <p14:creationId xmlns:p14="http://schemas.microsoft.com/office/powerpoint/2010/main" val="17311428"/>
+      </p:ext>
+    </p:extLst>
+  </p:cSld>
+  <p:clrMapOvr>
+    <a:masterClrMapping/>
+  </p:clrMapOvr>
+  <p:transition spd="slow">
+    <p:push dir="u"/>
+  </p:transition>
+</p:sld>
+</file>
+
+<file path=ppt/slides/slide13.xml><?xml version="1.0" encoding="utf-8"?>
+<p:sld xmlns:a="http://schemas.openxmlformats.org/drawingml/2006/main" xmlns:r="http://schemas.openxmlformats.org/officeDocument/2006/relationships" xmlns:p="http://schemas.openxmlformats.org/presentationml/2006/main">
+  <p:cSld>
+    <p:spTree>
+      <p:nvGrpSpPr>
+        <p:cNvPr id="1" name=""/>
+        <p:cNvGrpSpPr/>
+        <p:nvPr/>
+      </p:nvGrpSpPr>
+      <p:grpSpPr>
+        <a:xfrm>
+          <a:off x="0" y="0"/>
+          <a:ext cx="0" cy="0"/>
+          <a:chOff x="0" y="0"/>
+          <a:chExt cx="0" cy="0"/>
+        </a:xfrm>
+      </p:grpSpPr>
+      <p:sp>
+        <p:nvSpPr>
+          <p:cNvPr id="2" name="Заголовок 1">
+            <a:extLst>
+              <a:ext uri="{FF2B5EF4-FFF2-40B4-BE49-F238E27FC236}">
+                <a16:creationId xmlns:a16="http://schemas.microsoft.com/office/drawing/2014/main" id="{40EE1497-FB77-47D2-8232-4B05B4BFC390}"/>
+              </a:ext>
+            </a:extLst>
+          </p:cNvPr>
+          <p:cNvSpPr>
+            <a:spLocks noGrp="1"/>
+          </p:cNvSpPr>
+          <p:nvPr>
+            <p:ph type="title"/>
+          </p:nvPr>
+        </p:nvSpPr>
+        <p:spPr/>
+        <p:txBody>
+          <a:bodyPr/>
+          <a:lstStyle/>
+          <a:p>
+            <a:r>
+              <a:rPr lang="ru-RU" dirty="0"/>
+              <a:t>Как Power BI используется для принятия решений?</a:t>
+            </a:r>
+          </a:p>
+        </p:txBody>
+      </p:sp>
+      <p:sp>
+        <p:nvSpPr>
+          <p:cNvPr id="3" name="Объект 2">
+            <a:extLst>
+              <a:ext uri="{FF2B5EF4-FFF2-40B4-BE49-F238E27FC236}">
+                <a16:creationId xmlns:a16="http://schemas.microsoft.com/office/drawing/2014/main" id="{96CD4184-4555-40BC-9D4E-0FBAE0285161}"/>
+              </a:ext>
+            </a:extLst>
+          </p:cNvPr>
+          <p:cNvSpPr>
+            <a:spLocks noGrp="1"/>
+          </p:cNvSpPr>
+          <p:nvPr>
+            <p:ph idx="1"/>
+          </p:nvPr>
+        </p:nvSpPr>
+        <p:spPr>
+          <a:xfrm>
+            <a:off x="680321" y="2336873"/>
+            <a:ext cx="9728782" cy="3599316"/>
+          </a:xfrm>
+        </p:spPr>
+        <p:txBody>
+          <a:bodyPr>
+            <a:normAutofit/>
+          </a:bodyPr>
+          <a:lstStyle/>
+          <a:p>
+            <a:pPr marL="0" indent="442913" algn="just" defTabSz="804863">
+              <a:buNone/>
+            </a:pPr>
+            <a:r>
+              <a:rPr lang="ru-RU" dirty="0"/>
+              <a:t>Power BI можно использовать для отслеживания ключевых показателей эффективности, выявления тенденций и принятия обоснованных решений в области маркетинга, продаж, операций и других областях бизнеса.</a:t>
+            </a:r>
+          </a:p>
+        </p:txBody>
+      </p:sp>
+      <p:pic>
+        <p:nvPicPr>
+          <p:cNvPr id="4" name="Рисунок 3">
+            <a:extLst>
+              <a:ext uri="{FF2B5EF4-FFF2-40B4-BE49-F238E27FC236}">
+                <a16:creationId xmlns:a16="http://schemas.microsoft.com/office/drawing/2014/main" id="{BE1DFEEF-48EE-4143-B24C-4743CD0D0077}"/>
+              </a:ext>
+            </a:extLst>
+          </p:cNvPr>
+          <p:cNvPicPr>
+            <a:picLocks noChangeAspect="1"/>
+          </p:cNvPicPr>
+          <p:nvPr/>
+        </p:nvPicPr>
+        <p:blipFill>
+          <a:blip r:embed="rId2">
+            <a:extLst>
+              <a:ext uri="{28A0092B-C50C-407E-A947-70E740481C1C}">
+                <a14:useLocalDpi xmlns:a14="http://schemas.microsoft.com/office/drawing/2010/main" val="0"/>
+              </a:ext>
+            </a:extLst>
+          </a:blip>
+          <a:stretch>
+            <a:fillRect/>
+          </a:stretch>
+        </p:blipFill>
+        <p:spPr>
+          <a:xfrm>
+            <a:off x="10409103" y="303057"/>
+            <a:ext cx="2002298" cy="2002298"/>
+          </a:xfrm>
+          <a:prstGeom prst="rect">
+            <a:avLst/>
+          </a:prstGeom>
+        </p:spPr>
+      </p:pic>
+    </p:spTree>
+    <p:extLst>
+      <p:ext uri="{BB962C8B-B14F-4D97-AF65-F5344CB8AC3E}">
+        <p14:creationId xmlns:p14="http://schemas.microsoft.com/office/powerpoint/2010/main" val="2793602168"/>
+      </p:ext>
+    </p:extLst>
+  </p:cSld>
+  <p:clrMapOvr>
+    <a:masterClrMapping/>
+  </p:clrMapOvr>
+  <p:transition spd="slow">
+    <p:push dir="u"/>
+  </p:transition>
+</p:sld>
+</file>
+
+<file path=ppt/slides/slide14.xml><?xml version="1.0" encoding="utf-8"?>
+<p:sld xmlns:a="http://schemas.openxmlformats.org/drawingml/2006/main" xmlns:r="http://schemas.openxmlformats.org/officeDocument/2006/relationships" xmlns:p="http://schemas.openxmlformats.org/presentationml/2006/main">
+  <p:cSld>
+    <p:spTree>
+      <p:nvGrpSpPr>
+        <p:cNvPr id="1" name=""/>
+        <p:cNvGrpSpPr/>
+        <p:nvPr/>
+      </p:nvGrpSpPr>
+      <p:grpSpPr>
+        <a:xfrm>
+          <a:off x="0" y="0"/>
+          <a:ext cx="0" cy="0"/>
+          <a:chOff x="0" y="0"/>
+          <a:chExt cx="0" cy="0"/>
+        </a:xfrm>
+      </p:grpSpPr>
+      <p:sp>
+        <p:nvSpPr>
+          <p:cNvPr id="2" name="Заголовок 1">
+            <a:extLst>
+              <a:ext uri="{FF2B5EF4-FFF2-40B4-BE49-F238E27FC236}">
+                <a16:creationId xmlns:a16="http://schemas.microsoft.com/office/drawing/2014/main" id="{CD63F91E-B3A6-41B3-AE14-C7FBA9E4B3F8}"/>
+              </a:ext>
+            </a:extLst>
+          </p:cNvPr>
+          <p:cNvSpPr>
+            <a:spLocks noGrp="1"/>
+          </p:cNvSpPr>
+          <p:nvPr>
+            <p:ph type="title"/>
+          </p:nvPr>
+        </p:nvSpPr>
+        <p:spPr/>
+        <p:txBody>
+          <a:bodyPr/>
+          <a:lstStyle/>
+          <a:p>
+            <a:r>
+              <a:rPr lang="ru-RU" dirty="0"/>
+              <a:t>Как можно использовать </a:t>
+            </a:r>
+            <a:r>
+              <a:rPr lang="en-US" dirty="0"/>
+              <a:t>Power BI</a:t>
+            </a:r>
+            <a:endParaRPr lang="ru-RU" dirty="0"/>
+          </a:p>
+        </p:txBody>
+      </p:sp>
+      <p:sp>
+        <p:nvSpPr>
+          <p:cNvPr id="3" name="Объект 2">
+            <a:extLst>
+              <a:ext uri="{FF2B5EF4-FFF2-40B4-BE49-F238E27FC236}">
+                <a16:creationId xmlns:a16="http://schemas.microsoft.com/office/drawing/2014/main" id="{0F6CB704-1408-4C73-801F-F4D1A68B4ED9}"/>
+              </a:ext>
+            </a:extLst>
+          </p:cNvPr>
+          <p:cNvSpPr>
+            <a:spLocks noGrp="1"/>
+          </p:cNvSpPr>
+          <p:nvPr>
+            <p:ph idx="1"/>
+          </p:nvPr>
+        </p:nvSpPr>
+        <p:spPr/>
+        <p:txBody>
+          <a:bodyPr>
+            <a:normAutofit fontScale="85000" lnSpcReduction="10000"/>
+          </a:bodyPr>
+          <a:lstStyle/>
+          <a:p>
+            <a:r>
+              <a:rPr lang="ru-RU" dirty="0"/>
+              <a:t>Power BI Desktop: Локальная однопользовательская версия для Windows.</a:t>
+            </a:r>
+          </a:p>
+          <a:p>
+            <a:r>
+              <a:rPr lang="ru-RU" dirty="0"/>
+              <a:t>Power BI Services: </a:t>
+            </a:r>
+            <a:r>
+              <a:rPr lang="ru-RU" dirty="0" err="1"/>
+              <a:t>SaaS</a:t>
+            </a:r>
+            <a:r>
+              <a:rPr lang="ru-RU" dirty="0"/>
+              <a:t>-приложение, доступное через веб.</a:t>
+            </a:r>
+          </a:p>
+          <a:p>
+            <a:r>
+              <a:rPr lang="ru-RU" dirty="0"/>
+              <a:t>Power BI </a:t>
+            </a:r>
+            <a:r>
+              <a:rPr lang="ru-RU" dirty="0" err="1"/>
+              <a:t>Embedded</a:t>
+            </a:r>
+            <a:r>
+              <a:rPr lang="ru-RU" dirty="0"/>
+              <a:t>: Специальная редакция сервисов Power BI в </a:t>
+            </a:r>
+            <a:r>
+              <a:rPr lang="ru-RU" dirty="0" err="1"/>
+              <a:t>Azure</a:t>
+            </a:r>
+            <a:r>
+              <a:rPr lang="ru-RU" dirty="0"/>
+              <a:t> (</a:t>
+            </a:r>
+            <a:r>
+              <a:rPr lang="ru-RU" dirty="0" err="1"/>
+              <a:t>PaaS</a:t>
+            </a:r>
+            <a:r>
+              <a:rPr lang="ru-RU" dirty="0"/>
+              <a:t>), ориентированная на разработчиков ПО, желающих использовать BI в собственных программных продуктах.</a:t>
+            </a:r>
+          </a:p>
+          <a:p>
+            <a:r>
+              <a:rPr lang="ru-RU" dirty="0"/>
+              <a:t>Power BI Mobile: Мобильные версии приложения для различных платформ (</a:t>
+            </a:r>
+            <a:r>
+              <a:rPr lang="ru-RU" dirty="0" err="1"/>
+              <a:t>Android</a:t>
+            </a:r>
+            <a:r>
+              <a:rPr lang="ru-RU" dirty="0"/>
+              <a:t>, </a:t>
+            </a:r>
+            <a:r>
+              <a:rPr lang="ru-RU" dirty="0" err="1"/>
+              <a:t>iOS</a:t>
+            </a:r>
+            <a:r>
+              <a:rPr lang="ru-RU" dirty="0"/>
+              <a:t>).</a:t>
+            </a:r>
+          </a:p>
+          <a:p>
+            <a:r>
+              <a:rPr lang="ru-RU" dirty="0"/>
+              <a:t>Power BI Report Server: Локальный (</a:t>
+            </a:r>
+            <a:r>
+              <a:rPr lang="ru-RU" dirty="0" err="1"/>
+              <a:t>on-premise</a:t>
+            </a:r>
+            <a:r>
+              <a:rPr lang="ru-RU" dirty="0"/>
+              <a:t>) сервер отчетов, интегрированный с веб-порталом.</a:t>
+            </a:r>
+          </a:p>
+          <a:p>
+            <a:r>
+              <a:rPr lang="ru-RU" dirty="0"/>
+              <a:t>Шлюзы PBI: Обеспечивают доступ веб-приложений, например, Power BI Services, к локальным данным без необходимости ручного обновления1.</a:t>
+            </a:r>
+          </a:p>
+        </p:txBody>
+      </p:sp>
+      <p:pic>
+        <p:nvPicPr>
+          <p:cNvPr id="4" name="Рисунок 3">
+            <a:extLst>
+              <a:ext uri="{FF2B5EF4-FFF2-40B4-BE49-F238E27FC236}">
+                <a16:creationId xmlns:a16="http://schemas.microsoft.com/office/drawing/2014/main" id="{9F2B2CC2-D5DB-4449-A04A-6E97DAFB47AD}"/>
+              </a:ext>
+            </a:extLst>
+          </p:cNvPr>
+          <p:cNvPicPr>
+            <a:picLocks noChangeAspect="1"/>
+          </p:cNvPicPr>
+          <p:nvPr/>
+        </p:nvPicPr>
+        <p:blipFill>
+          <a:blip r:embed="rId2">
+            <a:extLst>
+              <a:ext uri="{28A0092B-C50C-407E-A947-70E740481C1C}">
+                <a14:useLocalDpi xmlns:a14="http://schemas.microsoft.com/office/drawing/2010/main" val="0"/>
+              </a:ext>
+            </a:extLst>
+          </a:blip>
+          <a:stretch>
+            <a:fillRect/>
+          </a:stretch>
+        </p:blipFill>
+        <p:spPr>
+          <a:xfrm>
+            <a:off x="10409103" y="303057"/>
+            <a:ext cx="2002298" cy="2002298"/>
+          </a:xfrm>
+          <a:prstGeom prst="rect">
+            <a:avLst/>
+          </a:prstGeom>
+        </p:spPr>
+      </p:pic>
+    </p:spTree>
+    <p:extLst>
+      <p:ext uri="{BB962C8B-B14F-4D97-AF65-F5344CB8AC3E}">
+        <p14:creationId xmlns:p14="http://schemas.microsoft.com/office/powerpoint/2010/main" val="3987566009"/>
+      </p:ext>
+    </p:extLst>
+  </p:cSld>
+  <p:clrMapOvr>
+    <a:masterClrMapping/>
+  </p:clrMapOvr>
+</p:sld>
+</file>
+
+<file path=ppt/slides/slide15.xml><?xml version="1.0" encoding="utf-8"?>
+<p:sld xmlns:a="http://schemas.openxmlformats.org/drawingml/2006/main" xmlns:r="http://schemas.openxmlformats.org/officeDocument/2006/relationships" xmlns:p="http://schemas.openxmlformats.org/presentationml/2006/main">
+  <p:cSld>
+    <p:spTree>
+      <p:nvGrpSpPr>
+        <p:cNvPr id="1" name=""/>
+        <p:cNvGrpSpPr/>
+        <p:nvPr/>
+      </p:nvGrpSpPr>
+      <p:grpSpPr>
+        <a:xfrm>
+          <a:off x="0" y="0"/>
+          <a:ext cx="0" cy="0"/>
+          <a:chOff x="0" y="0"/>
+          <a:chExt cx="0" cy="0"/>
+        </a:xfrm>
+      </p:grpSpPr>
+      <p:sp>
+        <p:nvSpPr>
+          <p:cNvPr id="2" name="Заголовок 1">
+            <a:extLst>
+              <a:ext uri="{FF2B5EF4-FFF2-40B4-BE49-F238E27FC236}">
+                <a16:creationId xmlns:a16="http://schemas.microsoft.com/office/drawing/2014/main" id="{CD63F91E-B3A6-41B3-AE14-C7FBA9E4B3F8}"/>
+              </a:ext>
+            </a:extLst>
+          </p:cNvPr>
+          <p:cNvSpPr>
+            <a:spLocks noGrp="1"/>
+          </p:cNvSpPr>
+          <p:nvPr>
+            <p:ph type="title"/>
+          </p:nvPr>
+        </p:nvSpPr>
+        <p:spPr/>
+        <p:txBody>
+          <a:bodyPr/>
+          <a:lstStyle/>
+          <a:p>
+            <a:r>
+              <a:rPr lang="ru-RU" dirty="0"/>
+              <a:t>Заключение</a:t>
+            </a:r>
+          </a:p>
+        </p:txBody>
+      </p:sp>
+      <p:sp>
+        <p:nvSpPr>
+          <p:cNvPr id="3" name="Объект 2">
+            <a:extLst>
+              <a:ext uri="{FF2B5EF4-FFF2-40B4-BE49-F238E27FC236}">
+                <a16:creationId xmlns:a16="http://schemas.microsoft.com/office/drawing/2014/main" id="{0F6CB704-1408-4C73-801F-F4D1A68B4ED9}"/>
+              </a:ext>
+            </a:extLst>
+          </p:cNvPr>
+          <p:cNvSpPr>
+            <a:spLocks noGrp="1"/>
+          </p:cNvSpPr>
+          <p:nvPr>
+            <p:ph idx="1"/>
+          </p:nvPr>
+        </p:nvSpPr>
+        <p:spPr/>
+        <p:txBody>
+          <a:bodyPr>
+            <a:normAutofit/>
+          </a:bodyPr>
+          <a:lstStyle/>
+          <a:p>
+            <a:r>
+              <a:rPr lang="ru-RU" dirty="0"/>
+              <a:t>Power BI - это мощный и универсальный инструмент BI, который может быть использован для получения информации из данных и принятия более обоснованных решений.</a:t>
+            </a:r>
+          </a:p>
+          <a:p>
+            <a:r>
+              <a:rPr lang="ru-RU" dirty="0"/>
+              <a:t>Это ценный инструмент для предприятий всех размеров, и его легко освоить и использовать.</a:t>
+            </a:r>
+          </a:p>
+        </p:txBody>
+      </p:sp>
+      <p:pic>
+        <p:nvPicPr>
+          <p:cNvPr id="4" name="Рисунок 3">
+            <a:extLst>
+              <a:ext uri="{FF2B5EF4-FFF2-40B4-BE49-F238E27FC236}">
+                <a16:creationId xmlns:a16="http://schemas.microsoft.com/office/drawing/2014/main" id="{9F2B2CC2-D5DB-4449-A04A-6E97DAFB47AD}"/>
+              </a:ext>
+            </a:extLst>
+          </p:cNvPr>
+          <p:cNvPicPr>
+            <a:picLocks noChangeAspect="1"/>
+          </p:cNvPicPr>
+          <p:nvPr/>
+        </p:nvPicPr>
+        <p:blipFill>
+          <a:blip r:embed="rId2">
+            <a:extLst>
+              <a:ext uri="{28A0092B-C50C-407E-A947-70E740481C1C}">
+                <a14:useLocalDpi xmlns:a14="http://schemas.microsoft.com/office/drawing/2010/main" val="0"/>
+              </a:ext>
+            </a:extLst>
+          </a:blip>
+          <a:stretch>
+            <a:fillRect/>
+          </a:stretch>
+        </p:blipFill>
+        <p:spPr>
+          <a:xfrm>
+            <a:off x="10409103" y="303057"/>
+            <a:ext cx="2002298" cy="2002298"/>
+          </a:xfrm>
+          <a:prstGeom prst="rect">
+            <a:avLst/>
+          </a:prstGeom>
+        </p:spPr>
+      </p:pic>
+    </p:spTree>
+    <p:extLst>
+      <p:ext uri="{BB962C8B-B14F-4D97-AF65-F5344CB8AC3E}">
+        <p14:creationId xmlns:p14="http://schemas.microsoft.com/office/powerpoint/2010/main" val="2080476874"/>
+      </p:ext>
+    </p:extLst>
+  </p:cSld>
+  <p:clrMapOvr>
+    <a:masterClrMapping/>
+  </p:clrMapOvr>
+</p:sld>
+</file>
+
+<file path=ppt/slides/slide16.xml><?xml version="1.0" encoding="utf-8"?>
+<p:sld xmlns:a="http://schemas.openxmlformats.org/drawingml/2006/main" xmlns:r="http://schemas.openxmlformats.org/officeDocument/2006/relationships" xmlns:p="http://schemas.openxmlformats.org/presentationml/2006/main">
+  <p:cSld>
+    <p:spTree>
+      <p:nvGrpSpPr>
+        <p:cNvPr id="1" name=""/>
+        <p:cNvGrpSpPr/>
+        <p:nvPr/>
+      </p:nvGrpSpPr>
+      <p:grpSpPr>
+        <a:xfrm>
+          <a:off x="0" y="0"/>
+          <a:ext cx="0" cy="0"/>
+          <a:chOff x="0" y="0"/>
+          <a:chExt cx="0" cy="0"/>
+        </a:xfrm>
+      </p:grpSpPr>
+      <p:sp>
+        <p:nvSpPr>
+          <p:cNvPr id="2" name="Заголовок 1">
+            <a:extLst>
+              <a:ext uri="{FF2B5EF4-FFF2-40B4-BE49-F238E27FC236}">
+                <a16:creationId xmlns:a16="http://schemas.microsoft.com/office/drawing/2014/main" id="{CD63F91E-B3A6-41B3-AE14-C7FBA9E4B3F8}"/>
+              </a:ext>
+            </a:extLst>
+          </p:cNvPr>
+          <p:cNvSpPr>
+            <a:spLocks noGrp="1"/>
+          </p:cNvSpPr>
+          <p:nvPr>
+            <p:ph type="title"/>
+          </p:nvPr>
+        </p:nvSpPr>
+        <p:spPr/>
+        <p:txBody>
+          <a:bodyPr/>
+          <a:lstStyle/>
+          <a:p>
+            <a:r>
+              <a:rPr lang="ru-RU" b="0" i="0" dirty="0">
+                <a:solidFill>
+                  <a:srgbClr val="E3E3E3"/>
+                </a:solidFill>
+                <a:effectLst/>
+                <a:latin typeface="Google Sans"/>
+              </a:rPr>
+              <a:t>Ресурсы</a:t>
+            </a:r>
+            <a:endParaRPr lang="ru-RU" dirty="0"/>
+          </a:p>
+        </p:txBody>
+      </p:sp>
+      <p:sp>
+        <p:nvSpPr>
+          <p:cNvPr id="3" name="Объект 2">
+            <a:extLst>
+              <a:ext uri="{FF2B5EF4-FFF2-40B4-BE49-F238E27FC236}">
+                <a16:creationId xmlns:a16="http://schemas.microsoft.com/office/drawing/2014/main" id="{0F6CB704-1408-4C73-801F-F4D1A68B4ED9}"/>
+              </a:ext>
+            </a:extLst>
+          </p:cNvPr>
+          <p:cNvSpPr>
+            <a:spLocks noGrp="1"/>
+          </p:cNvSpPr>
+          <p:nvPr>
+            <p:ph idx="1"/>
+          </p:nvPr>
+        </p:nvSpPr>
+        <p:spPr/>
+        <p:txBody>
+          <a:bodyPr>
+            <a:normAutofit/>
+          </a:bodyPr>
+          <a:lstStyle/>
+          <a:p>
+            <a:r>
+              <a:rPr lang="en-US" dirty="0" err="1"/>
+              <a:t>Веб-сайт</a:t>
+            </a:r>
+            <a:r>
+              <a:rPr lang="en-US" dirty="0"/>
+              <a:t> Power BI: https://app.powerbi.com/: https://app.powerbi.com/</a:t>
+            </a:r>
+          </a:p>
+          <a:p>
+            <a:r>
+              <a:rPr lang="en-US" dirty="0" err="1"/>
+              <a:t>Документация</a:t>
+            </a:r>
+            <a:r>
+              <a:rPr lang="en-US" dirty="0"/>
+              <a:t> Power BI: https://community.fabric.microsoft.com/t5/Developer/bd-p/Developer: https://community.fabric.microsoft.com/t5/Developer/bd-p/Developer)</a:t>
+            </a:r>
+          </a:p>
+          <a:p>
+            <a:r>
+              <a:rPr lang="en-US" dirty="0" err="1"/>
+              <a:t>Обучение</a:t>
+            </a:r>
+            <a:r>
+              <a:rPr lang="en-US" dirty="0"/>
+              <a:t> Power BI: https://powerbi.microsoft.com/en-us/learning/: https://powerbi.microsoft.com/en-us/learning/</a:t>
+            </a:r>
+          </a:p>
+          <a:p>
+            <a:endParaRPr lang="ru-RU" dirty="0"/>
+          </a:p>
+        </p:txBody>
+      </p:sp>
+      <p:pic>
+        <p:nvPicPr>
+          <p:cNvPr id="4" name="Рисунок 3">
+            <a:extLst>
+              <a:ext uri="{FF2B5EF4-FFF2-40B4-BE49-F238E27FC236}">
+                <a16:creationId xmlns:a16="http://schemas.microsoft.com/office/drawing/2014/main" id="{9F2B2CC2-D5DB-4449-A04A-6E97DAFB47AD}"/>
+              </a:ext>
+            </a:extLst>
+          </p:cNvPr>
+          <p:cNvPicPr>
+            <a:picLocks noChangeAspect="1"/>
+          </p:cNvPicPr>
+          <p:nvPr/>
+        </p:nvPicPr>
+        <p:blipFill>
+          <a:blip r:embed="rId2">
+            <a:extLst>
+              <a:ext uri="{28A0092B-C50C-407E-A947-70E740481C1C}">
+                <a14:useLocalDpi xmlns:a14="http://schemas.microsoft.com/office/drawing/2010/main" val="0"/>
+              </a:ext>
+            </a:extLst>
+          </a:blip>
+          <a:stretch>
+            <a:fillRect/>
+          </a:stretch>
+        </p:blipFill>
+        <p:spPr>
+          <a:xfrm>
+            <a:off x="10409103" y="303057"/>
+            <a:ext cx="2002298" cy="2002298"/>
+          </a:xfrm>
+          <a:prstGeom prst="rect">
+            <a:avLst/>
+          </a:prstGeom>
+        </p:spPr>
+      </p:pic>
+    </p:spTree>
+    <p:extLst>
+      <p:ext uri="{BB962C8B-B14F-4D97-AF65-F5344CB8AC3E}">
+        <p14:creationId xmlns:p14="http://schemas.microsoft.com/office/powerpoint/2010/main" val="2656566796"/>
       </p:ext>
     </p:extLst>
   </p:cSld>
@@ -7945,7 +9796,7 @@
       </p:grpSpPr>
       <p:sp>
         <p:nvSpPr>
-          <p:cNvPr id="2" name="Заголовок 1">
+          <p:cNvPr id="2" name="!!Заголовок 1">
             <a:extLst>
               <a:ext uri="{FF2B5EF4-FFF2-40B4-BE49-F238E27FC236}">
                 <a16:creationId xmlns:a16="http://schemas.microsoft.com/office/drawing/2014/main" id="{F879ECD2-9AA7-4066-A3DD-B2E8829A9255}"/>
@@ -7961,7 +9812,7 @@
         </p:nvSpPr>
         <p:spPr>
           <a:xfrm>
-            <a:off x="680320" y="480273"/>
+            <a:off x="698608" y="763737"/>
             <a:ext cx="9613861" cy="1080938"/>
           </a:xfrm>
         </p:spPr>
@@ -7969,9 +9820,6 @@
           <a:bodyPr/>
           <a:lstStyle/>
           <a:p>
-            <a:br>
-              <a:rPr lang="en-US" dirty="0"/>
-            </a:br>
             <a:r>
               <a:rPr lang="en-US" dirty="0"/>
               <a:t>Microsoft Power BI</a:t>
@@ -7985,7 +9833,7 @@
       </p:sp>
       <p:sp>
         <p:nvSpPr>
-          <p:cNvPr id="3" name="Объект 2">
+          <p:cNvPr id="3" name="!!Объект 2">
             <a:extLst>
               <a:ext uri="{FF2B5EF4-FFF2-40B4-BE49-F238E27FC236}">
                 <a16:creationId xmlns:a16="http://schemas.microsoft.com/office/drawing/2014/main" id="{B79A81B6-6E79-4879-99CA-896AAADE8E4F}"/>
@@ -8021,7 +9869,7 @@
       </p:sp>
       <p:pic>
         <p:nvPicPr>
-          <p:cNvPr id="1028" name="Picture 4">
+          <p:cNvPr id="1028" name="!!Picture 4">
             <a:extLst>
               <a:ext uri="{FF2B5EF4-FFF2-40B4-BE49-F238E27FC236}">
                 <a16:creationId xmlns:a16="http://schemas.microsoft.com/office/drawing/2014/main" id="{A1DFD0FC-88FE-41D2-A632-3E528FEC7ABF}"/>
@@ -8066,6 +9914,257 @@
           </a:extLst>
         </p:spPr>
       </p:pic>
+      <p:pic>
+        <p:nvPicPr>
+          <p:cNvPr id="5" name="!!Рисунок 7">
+            <a:extLst>
+              <a:ext uri="{FF2B5EF4-FFF2-40B4-BE49-F238E27FC236}">
+                <a16:creationId xmlns:a16="http://schemas.microsoft.com/office/drawing/2014/main" id="{F83316A5-834C-4153-81FC-6E465819D1A9}"/>
+              </a:ext>
+            </a:extLst>
+          </p:cNvPr>
+          <p:cNvPicPr>
+            <a:picLocks noChangeAspect="1"/>
+          </p:cNvPicPr>
+          <p:nvPr/>
+        </p:nvPicPr>
+        <p:blipFill>
+          <a:blip r:embed="rId3">
+            <a:extLst>
+              <a:ext uri="{28A0092B-C50C-407E-A947-70E740481C1C}">
+                <a14:useLocalDpi xmlns:a14="http://schemas.microsoft.com/office/drawing/2010/main" val="0"/>
+              </a:ext>
+            </a:extLst>
+          </a:blip>
+          <a:stretch>
+            <a:fillRect/>
+          </a:stretch>
+        </p:blipFill>
+        <p:spPr>
+          <a:xfrm>
+            <a:off x="10409103" y="303057"/>
+            <a:ext cx="2002298" cy="2002298"/>
+          </a:xfrm>
+          <a:prstGeom prst="rect">
+            <a:avLst/>
+          </a:prstGeom>
+        </p:spPr>
+      </p:pic>
+      <p:sp>
+        <p:nvSpPr>
+          <p:cNvPr id="6" name="!!Подзаголовок 2">
+            <a:extLst>
+              <a:ext uri="{FF2B5EF4-FFF2-40B4-BE49-F238E27FC236}">
+                <a16:creationId xmlns:a16="http://schemas.microsoft.com/office/drawing/2014/main" id="{92EC4AFA-84BB-4C96-A7AB-CA07A7E07422}"/>
+              </a:ext>
+            </a:extLst>
+          </p:cNvPr>
+          <p:cNvSpPr txBox="1">
+            <a:spLocks/>
+          </p:cNvSpPr>
+          <p:nvPr/>
+        </p:nvSpPr>
+        <p:spPr>
+          <a:xfrm>
+            <a:off x="12192000" y="4970397"/>
+            <a:ext cx="2369065" cy="1117687"/>
+          </a:xfrm>
+          <a:prstGeom prst="rect">
+            <a:avLst/>
+          </a:prstGeom>
+        </p:spPr>
+        <p:txBody>
+          <a:bodyPr vert="horz" lIns="91440" tIns="45720" rIns="91440" bIns="45720" rtlCol="0">
+            <a:normAutofit fontScale="85000" lnSpcReduction="10000"/>
+          </a:bodyPr>
+          <a:lstStyle>
+            <a:lvl1pPr marL="228600" indent="-228600" algn="l" defTabSz="914400" rtl="0" eaLnBrk="1" latinLnBrk="0" hangingPunct="1">
+              <a:lnSpc>
+                <a:spcPct val="90000"/>
+              </a:lnSpc>
+              <a:spcBef>
+                <a:spcPts val="1000"/>
+              </a:spcBef>
+              <a:buFont typeface="Arial" panose="020B0604020202020204" pitchFamily="34" charset="0"/>
+              <a:buChar char="•"/>
+              <a:defRPr sz="2400" kern="1200">
+                <a:solidFill>
+                  <a:schemeClr val="tx1"/>
+                </a:solidFill>
+                <a:latin typeface="+mn-lt"/>
+                <a:ea typeface="+mn-ea"/>
+                <a:cs typeface="+mn-cs"/>
+              </a:defRPr>
+            </a:lvl1pPr>
+            <a:lvl2pPr marL="685800" indent="-228600" algn="l" defTabSz="914400" rtl="0" eaLnBrk="1" latinLnBrk="0" hangingPunct="1">
+              <a:lnSpc>
+                <a:spcPct val="90000"/>
+              </a:lnSpc>
+              <a:spcBef>
+                <a:spcPts val="500"/>
+              </a:spcBef>
+              <a:buFont typeface="Arial" panose="020B0604020202020204" pitchFamily="34" charset="0"/>
+              <a:buChar char="•"/>
+              <a:defRPr sz="2000" kern="1200">
+                <a:solidFill>
+                  <a:schemeClr val="tx1"/>
+                </a:solidFill>
+                <a:latin typeface="+mn-lt"/>
+                <a:ea typeface="+mn-ea"/>
+                <a:cs typeface="+mn-cs"/>
+              </a:defRPr>
+            </a:lvl2pPr>
+            <a:lvl3pPr marL="1143000" indent="-228600" algn="l" defTabSz="914400" rtl="0" eaLnBrk="1" latinLnBrk="0" hangingPunct="1">
+              <a:lnSpc>
+                <a:spcPct val="90000"/>
+              </a:lnSpc>
+              <a:spcBef>
+                <a:spcPts val="500"/>
+              </a:spcBef>
+              <a:buFont typeface="Arial" panose="020B0604020202020204" pitchFamily="34" charset="0"/>
+              <a:buChar char="•"/>
+              <a:defRPr sz="1800" kern="1200">
+                <a:solidFill>
+                  <a:schemeClr val="tx1"/>
+                </a:solidFill>
+                <a:latin typeface="+mn-lt"/>
+                <a:ea typeface="+mn-ea"/>
+                <a:cs typeface="+mn-cs"/>
+              </a:defRPr>
+            </a:lvl3pPr>
+            <a:lvl4pPr marL="1600200" indent="-228600" algn="l" defTabSz="914400" rtl="0" eaLnBrk="1" latinLnBrk="0" hangingPunct="1">
+              <a:lnSpc>
+                <a:spcPct val="90000"/>
+              </a:lnSpc>
+              <a:spcBef>
+                <a:spcPts val="500"/>
+              </a:spcBef>
+              <a:buFont typeface="Arial" panose="020B0604020202020204" pitchFamily="34" charset="0"/>
+              <a:buChar char="•"/>
+              <a:defRPr sz="1600" kern="1200">
+                <a:solidFill>
+                  <a:schemeClr val="tx1"/>
+                </a:solidFill>
+                <a:latin typeface="+mn-lt"/>
+                <a:ea typeface="+mn-ea"/>
+                <a:cs typeface="+mn-cs"/>
+              </a:defRPr>
+            </a:lvl4pPr>
+            <a:lvl5pPr marL="2057400" indent="-228600" algn="l" defTabSz="914400" rtl="0" eaLnBrk="1" latinLnBrk="0" hangingPunct="1">
+              <a:lnSpc>
+                <a:spcPct val="90000"/>
+              </a:lnSpc>
+              <a:spcBef>
+                <a:spcPts val="500"/>
+              </a:spcBef>
+              <a:buFont typeface="Arial" panose="020B0604020202020204" pitchFamily="34" charset="0"/>
+              <a:buChar char="•"/>
+              <a:defRPr sz="1600" kern="1200">
+                <a:solidFill>
+                  <a:schemeClr val="tx1"/>
+                </a:solidFill>
+                <a:latin typeface="+mn-lt"/>
+                <a:ea typeface="+mn-ea"/>
+                <a:cs typeface="+mn-cs"/>
+              </a:defRPr>
+            </a:lvl5pPr>
+            <a:lvl6pPr marL="2514600" indent="-228600" algn="l" defTabSz="914400" rtl="0" eaLnBrk="1" latinLnBrk="0" hangingPunct="1">
+              <a:lnSpc>
+                <a:spcPct val="90000"/>
+              </a:lnSpc>
+              <a:spcBef>
+                <a:spcPts val="500"/>
+              </a:spcBef>
+              <a:buFont typeface="Arial" panose="020B0604020202020204" pitchFamily="34" charset="0"/>
+              <a:buChar char="•"/>
+              <a:defRPr sz="1400" kern="1200">
+                <a:solidFill>
+                  <a:schemeClr val="tx1"/>
+                </a:solidFill>
+                <a:latin typeface="+mn-lt"/>
+                <a:ea typeface="+mn-ea"/>
+                <a:cs typeface="+mn-cs"/>
+              </a:defRPr>
+            </a:lvl6pPr>
+            <a:lvl7pPr marL="2971800" indent="-228600" algn="l" defTabSz="914400" rtl="0" eaLnBrk="1" latinLnBrk="0" hangingPunct="1">
+              <a:lnSpc>
+                <a:spcPct val="90000"/>
+              </a:lnSpc>
+              <a:spcBef>
+                <a:spcPts val="500"/>
+              </a:spcBef>
+              <a:buFont typeface="Arial" panose="020B0604020202020204" pitchFamily="34" charset="0"/>
+              <a:buChar char="•"/>
+              <a:defRPr sz="1400" kern="1200">
+                <a:solidFill>
+                  <a:schemeClr val="tx1"/>
+                </a:solidFill>
+                <a:latin typeface="+mn-lt"/>
+                <a:ea typeface="+mn-ea"/>
+                <a:cs typeface="+mn-cs"/>
+              </a:defRPr>
+            </a:lvl7pPr>
+            <a:lvl8pPr marL="3429000" indent="-228600" algn="l" defTabSz="914400" rtl="0" eaLnBrk="1" latinLnBrk="0" hangingPunct="1">
+              <a:lnSpc>
+                <a:spcPct val="90000"/>
+              </a:lnSpc>
+              <a:spcBef>
+                <a:spcPts val="500"/>
+              </a:spcBef>
+              <a:buFont typeface="Arial" panose="020B0604020202020204" pitchFamily="34" charset="0"/>
+              <a:buChar char="•"/>
+              <a:defRPr sz="1400" kern="1200">
+                <a:solidFill>
+                  <a:schemeClr val="tx1"/>
+                </a:solidFill>
+                <a:latin typeface="+mn-lt"/>
+                <a:ea typeface="+mn-ea"/>
+                <a:cs typeface="+mn-cs"/>
+              </a:defRPr>
+            </a:lvl8pPr>
+            <a:lvl9pPr marL="3886200" indent="-228600" algn="l" defTabSz="914400" rtl="0" eaLnBrk="1" latinLnBrk="0" hangingPunct="1">
+              <a:lnSpc>
+                <a:spcPct val="90000"/>
+              </a:lnSpc>
+              <a:spcBef>
+                <a:spcPts val="500"/>
+              </a:spcBef>
+              <a:buFont typeface="Arial" panose="020B0604020202020204" pitchFamily="34" charset="0"/>
+              <a:buChar char="•"/>
+              <a:defRPr sz="1400" kern="1200">
+                <a:solidFill>
+                  <a:schemeClr val="tx1"/>
+                </a:solidFill>
+                <a:latin typeface="+mn-lt"/>
+                <a:ea typeface="+mn-ea"/>
+                <a:cs typeface="+mn-cs"/>
+              </a:defRPr>
+            </a:lvl9pPr>
+          </a:lstStyle>
+          <a:p>
+            <a:pPr algn="ctr"/>
+            <a:r>
+              <a:rPr lang="ru-RU"/>
+              <a:t>ИКБО-14-20</a:t>
+            </a:r>
+          </a:p>
+          <a:p>
+            <a:pPr algn="ctr"/>
+            <a:r>
+              <a:rPr lang="ru-RU"/>
+              <a:t>Вежновец Ф.Ю.</a:t>
+            </a:r>
+          </a:p>
+          <a:p>
+            <a:pPr algn="ctr"/>
+            <a:r>
+              <a:rPr lang="ru-RU"/>
+              <a:t>Зудинов М.А.</a:t>
+            </a:r>
+            <a:endParaRPr lang="ru-RU" dirty="0"/>
+          </a:p>
+        </p:txBody>
+      </p:sp>
     </p:spTree>
     <p:extLst>
       <p:ext uri="{BB962C8B-B14F-4D97-AF65-F5344CB8AC3E}">
@@ -8076,6 +10175,18 @@
   <p:clrMapOvr>
     <a:masterClrMapping/>
   </p:clrMapOvr>
+  <mc:AlternateContent xmlns:mc="http://schemas.openxmlformats.org/markup-compatibility/2006" xmlns:p159="http://schemas.microsoft.com/office/powerpoint/2015/09/main">
+    <mc:Choice Requires="p159">
+      <p:transition xmlns:p14="http://schemas.microsoft.com/office/powerpoint/2010/main" spd="slow" p14:dur="2000">
+        <p159:morph option="byChar"/>
+      </p:transition>
+    </mc:Choice>
+    <mc:Fallback xmlns="">
+      <p:transition spd="slow">
+        <p:fade/>
+      </p:transition>
+    </mc:Fallback>
+  </mc:AlternateContent>
 </p:sld>
 </file>
 
@@ -8117,7 +10228,10 @@
           <a:bodyPr/>
           <a:lstStyle/>
           <a:p>
-            <a:endParaRPr lang="ru-RU"/>
+            <a:r>
+              <a:rPr lang="ru-RU" dirty="0"/>
+              <a:t>Ключевые функции</a:t>
+            </a:r>
           </a:p>
         </p:txBody>
       </p:sp>
@@ -8139,13 +10253,76 @@
         </p:nvSpPr>
         <p:spPr/>
         <p:txBody>
-          <a:bodyPr/>
+          <a:bodyPr>
+            <a:normAutofit lnSpcReduction="10000"/>
+          </a:bodyPr>
           <a:lstStyle/>
           <a:p>
-            <a:endParaRPr lang="ru-RU"/>
-          </a:p>
-        </p:txBody>
-      </p:sp>
+            <a:pPr marL="0" indent="447675" defTabSz="804863"/>
+            <a:r>
+              <a:rPr lang="ru-RU" dirty="0"/>
+              <a:t>Power BI может подключаться к широкому спектру источников данных, включая электронные таблицы Excel, базы данных SQL и облачные сервисы.</a:t>
+            </a:r>
+          </a:p>
+          <a:p>
+            <a:pPr marL="0" indent="447675" defTabSz="804863"/>
+            <a:r>
+              <a:rPr lang="ru-RU" dirty="0"/>
+              <a:t>Power BI включает в себя различные инструменты для очистки, преобразования и формирования данных.</a:t>
+            </a:r>
+          </a:p>
+          <a:p>
+            <a:pPr marL="0" indent="447675" defTabSz="804863"/>
+            <a:r>
+              <a:rPr lang="ru-RU" dirty="0"/>
+              <a:t>Power BI предоставляет широкий выбор диаграмм, графиков и карт для визуализации данных.</a:t>
+            </a:r>
+          </a:p>
+          <a:p>
+            <a:pPr marL="0" indent="447675" defTabSz="804863"/>
+            <a:r>
+              <a:rPr lang="ru-RU" dirty="0"/>
+              <a:t>Power BI можно использовать для создания интерактивных панелей мониторинга, отображающих ключевые показатели и тенденции.</a:t>
+            </a:r>
+          </a:p>
+        </p:txBody>
+      </p:sp>
+      <p:pic>
+        <p:nvPicPr>
+          <p:cNvPr id="4" name="Рисунок 3">
+            <a:extLst>
+              <a:ext uri="{FF2B5EF4-FFF2-40B4-BE49-F238E27FC236}">
+                <a16:creationId xmlns:a16="http://schemas.microsoft.com/office/drawing/2014/main" id="{BE1DFEEF-48EE-4143-B24C-4743CD0D0077}"/>
+              </a:ext>
+            </a:extLst>
+          </p:cNvPr>
+          <p:cNvPicPr>
+            <a:picLocks noChangeAspect="1"/>
+          </p:cNvPicPr>
+          <p:nvPr/>
+        </p:nvPicPr>
+        <p:blipFill>
+          <a:blip r:embed="rId2">
+            <a:extLst>
+              <a:ext uri="{28A0092B-C50C-407E-A947-70E740481C1C}">
+                <a14:useLocalDpi xmlns:a14="http://schemas.microsoft.com/office/drawing/2010/main" val="0"/>
+              </a:ext>
+            </a:extLst>
+          </a:blip>
+          <a:stretch>
+            <a:fillRect/>
+          </a:stretch>
+        </p:blipFill>
+        <p:spPr>
+          <a:xfrm>
+            <a:off x="10409103" y="303057"/>
+            <a:ext cx="2002298" cy="2002298"/>
+          </a:xfrm>
+          <a:prstGeom prst="rect">
+            <a:avLst/>
+          </a:prstGeom>
+        </p:spPr>
+      </p:pic>
     </p:spTree>
     <p:extLst>
       <p:ext uri="{BB962C8B-B14F-4D97-AF65-F5344CB8AC3E}">
@@ -8156,6 +10333,1210 @@
   <p:clrMapOvr>
     <a:masterClrMapping/>
   </p:clrMapOvr>
+  <p:transition spd="slow">
+    <p:push dir="u"/>
+  </p:transition>
+</p:sld>
+</file>
+
+<file path=ppt/slides/slide4.xml><?xml version="1.0" encoding="utf-8"?>
+<p:sld xmlns:a="http://schemas.openxmlformats.org/drawingml/2006/main" xmlns:r="http://schemas.openxmlformats.org/officeDocument/2006/relationships" xmlns:p="http://schemas.openxmlformats.org/presentationml/2006/main">
+  <p:cSld>
+    <p:spTree>
+      <p:nvGrpSpPr>
+        <p:cNvPr id="1" name=""/>
+        <p:cNvGrpSpPr/>
+        <p:nvPr/>
+      </p:nvGrpSpPr>
+      <p:grpSpPr>
+        <a:xfrm>
+          <a:off x="0" y="0"/>
+          <a:ext cx="0" cy="0"/>
+          <a:chOff x="0" y="0"/>
+          <a:chExt cx="0" cy="0"/>
+        </a:xfrm>
+      </p:grpSpPr>
+      <p:sp>
+        <p:nvSpPr>
+          <p:cNvPr id="2" name="Заголовок 1">
+            <a:extLst>
+              <a:ext uri="{FF2B5EF4-FFF2-40B4-BE49-F238E27FC236}">
+                <a16:creationId xmlns:a16="http://schemas.microsoft.com/office/drawing/2014/main" id="{5D6AB980-415A-4CF3-B3A8-0B22AE2BD707}"/>
+              </a:ext>
+            </a:extLst>
+          </p:cNvPr>
+          <p:cNvSpPr>
+            <a:spLocks noGrp="1"/>
+          </p:cNvSpPr>
+          <p:nvPr>
+            <p:ph type="title"/>
+          </p:nvPr>
+        </p:nvSpPr>
+        <p:spPr/>
+        <p:txBody>
+          <a:bodyPr/>
+          <a:lstStyle/>
+          <a:p>
+            <a:r>
+              <a:rPr lang="ru-RU" dirty="0"/>
+              <a:t>Подключение к данным в Power BI</a:t>
+            </a:r>
+          </a:p>
+        </p:txBody>
+      </p:sp>
+      <p:sp>
+        <p:nvSpPr>
+          <p:cNvPr id="3" name="Объект 2">
+            <a:extLst>
+              <a:ext uri="{FF2B5EF4-FFF2-40B4-BE49-F238E27FC236}">
+                <a16:creationId xmlns:a16="http://schemas.microsoft.com/office/drawing/2014/main" id="{279C44B9-275A-4D0B-8DE0-5A35F393FEB4}"/>
+              </a:ext>
+            </a:extLst>
+          </p:cNvPr>
+          <p:cNvSpPr>
+            <a:spLocks noGrp="1"/>
+          </p:cNvSpPr>
+          <p:nvPr>
+            <p:ph idx="1"/>
+          </p:nvPr>
+        </p:nvSpPr>
+        <p:spPr/>
+        <p:txBody>
+          <a:bodyPr/>
+          <a:lstStyle/>
+          <a:p>
+            <a:pPr marL="0" indent="447675" defTabSz="804863"/>
+            <a:r>
+              <a:rPr lang="ru-RU" dirty="0"/>
+              <a:t>Электронные таблицы </a:t>
+            </a:r>
+            <a:r>
+              <a:rPr lang="en-US" dirty="0"/>
+              <a:t>Excel</a:t>
+            </a:r>
+          </a:p>
+          <a:p>
+            <a:pPr marL="0" indent="447675" defTabSz="804863"/>
+            <a:r>
+              <a:rPr lang="ru-RU" dirty="0"/>
+              <a:t>Базы данных </a:t>
+            </a:r>
+            <a:r>
+              <a:rPr lang="en-US" dirty="0"/>
+              <a:t>SQL</a:t>
+            </a:r>
+          </a:p>
+          <a:p>
+            <a:pPr marL="0" indent="447675" defTabSz="804863"/>
+            <a:r>
+              <a:rPr lang="ru-RU" dirty="0"/>
+              <a:t>Облачные сервисы, такие как </a:t>
+            </a:r>
+            <a:r>
+              <a:rPr lang="en-US" dirty="0"/>
+              <a:t>Azure Data Lake Storage Gen2 </a:t>
+            </a:r>
+            <a:r>
+              <a:rPr lang="ru-RU" dirty="0"/>
+              <a:t>и </a:t>
+            </a:r>
+            <a:r>
+              <a:rPr lang="en-US" dirty="0"/>
+              <a:t>Google Cloud Platform </a:t>
+            </a:r>
+            <a:r>
+              <a:rPr lang="en-US" dirty="0" err="1"/>
+              <a:t>BigQuery</a:t>
+            </a:r>
+            <a:endParaRPr lang="en-US" dirty="0"/>
+          </a:p>
+          <a:p>
+            <a:pPr marL="0" indent="447675" defTabSz="804863"/>
+            <a:r>
+              <a:rPr lang="ru-RU" dirty="0"/>
+              <a:t>Данные из веб-сервисов, таких как </a:t>
+            </a:r>
+            <a:r>
+              <a:rPr lang="en-US" dirty="0"/>
+              <a:t>Google Analytics </a:t>
+            </a:r>
+            <a:r>
+              <a:rPr lang="ru-RU" dirty="0"/>
+              <a:t>и </a:t>
+            </a:r>
+            <a:r>
+              <a:rPr lang="en-US" dirty="0"/>
+              <a:t>Facebook Insights</a:t>
+            </a:r>
+          </a:p>
+          <a:p>
+            <a:pPr marL="0" indent="447675" defTabSz="804863"/>
+            <a:r>
+              <a:rPr lang="ru-RU" dirty="0"/>
+              <a:t>Данные из внешних приложений, таких как </a:t>
+            </a:r>
+            <a:r>
+              <a:rPr lang="en-US" dirty="0"/>
+              <a:t>SAP </a:t>
+            </a:r>
+            <a:r>
+              <a:rPr lang="ru-RU" dirty="0"/>
+              <a:t>и </a:t>
+            </a:r>
+            <a:r>
+              <a:rPr lang="en-US" dirty="0"/>
+              <a:t>Salesforce</a:t>
+            </a:r>
+            <a:endParaRPr lang="ru-RU" dirty="0"/>
+          </a:p>
+        </p:txBody>
+      </p:sp>
+      <p:pic>
+        <p:nvPicPr>
+          <p:cNvPr id="4" name="Рисунок 3">
+            <a:extLst>
+              <a:ext uri="{FF2B5EF4-FFF2-40B4-BE49-F238E27FC236}">
+                <a16:creationId xmlns:a16="http://schemas.microsoft.com/office/drawing/2014/main" id="{69FA0E25-7164-4C9C-B375-9C89E8F114E7}"/>
+              </a:ext>
+            </a:extLst>
+          </p:cNvPr>
+          <p:cNvPicPr>
+            <a:picLocks noChangeAspect="1"/>
+          </p:cNvPicPr>
+          <p:nvPr/>
+        </p:nvPicPr>
+        <p:blipFill>
+          <a:blip r:embed="rId2">
+            <a:extLst>
+              <a:ext uri="{28A0092B-C50C-407E-A947-70E740481C1C}">
+                <a14:useLocalDpi xmlns:a14="http://schemas.microsoft.com/office/drawing/2010/main" val="0"/>
+              </a:ext>
+            </a:extLst>
+          </a:blip>
+          <a:stretch>
+            <a:fillRect/>
+          </a:stretch>
+        </p:blipFill>
+        <p:spPr>
+          <a:xfrm>
+            <a:off x="10409103" y="303057"/>
+            <a:ext cx="2002298" cy="2002298"/>
+          </a:xfrm>
+          <a:prstGeom prst="rect">
+            <a:avLst/>
+          </a:prstGeom>
+        </p:spPr>
+      </p:pic>
+      <p:sp>
+        <p:nvSpPr>
+          <p:cNvPr id="13" name="AutoShape 6" descr="Жмем Подключить">
+            <a:extLst>
+              <a:ext uri="{FF2B5EF4-FFF2-40B4-BE49-F238E27FC236}">
+                <a16:creationId xmlns:a16="http://schemas.microsoft.com/office/drawing/2014/main" id="{746BA8B9-0E2D-4529-A7FE-5CF9AF5B63E1}"/>
+              </a:ext>
+            </a:extLst>
+          </p:cNvPr>
+          <p:cNvSpPr>
+            <a:spLocks noChangeAspect="1" noChangeArrowheads="1"/>
+          </p:cNvSpPr>
+          <p:nvPr/>
+        </p:nvSpPr>
+        <p:spPr bwMode="auto">
+          <a:xfrm>
+            <a:off x="5943600" y="3276600"/>
+            <a:ext cx="304800" cy="304800"/>
+          </a:xfrm>
+          <a:prstGeom prst="rect">
+            <a:avLst/>
+          </a:prstGeom>
+          <a:noFill/>
+          <a:extLst>
+            <a:ext uri="{909E8E84-426E-40DD-AFC4-6F175D3DCCD1}">
+              <a14:hiddenFill xmlns:a14="http://schemas.microsoft.com/office/drawing/2010/main">
+                <a:solidFill>
+                  <a:srgbClr val="FFFFFF"/>
+                </a:solidFill>
+              </a14:hiddenFill>
+            </a:ext>
+          </a:extLst>
+        </p:spPr>
+        <p:txBody>
+          <a:bodyPr vert="horz" wrap="square" lIns="91440" tIns="45720" rIns="91440" bIns="45720" numCol="1" anchor="t" anchorCtr="0" compatLnSpc="1">
+            <a:prstTxWarp prst="textNoShape">
+              <a:avLst/>
+            </a:prstTxWarp>
+          </a:bodyPr>
+          <a:lstStyle/>
+          <a:p>
+            <a:endParaRPr lang="ru-RU"/>
+          </a:p>
+        </p:txBody>
+      </p:sp>
+      <p:sp>
+        <p:nvSpPr>
+          <p:cNvPr id="14" name="AutoShape 8" descr="Жмем Подключить">
+            <a:extLst>
+              <a:ext uri="{FF2B5EF4-FFF2-40B4-BE49-F238E27FC236}">
+                <a16:creationId xmlns:a16="http://schemas.microsoft.com/office/drawing/2014/main" id="{D7541AE5-64E0-4796-8E85-4D1F7B58595A}"/>
+              </a:ext>
+            </a:extLst>
+          </p:cNvPr>
+          <p:cNvSpPr>
+            <a:spLocks noChangeAspect="1" noChangeArrowheads="1"/>
+          </p:cNvSpPr>
+          <p:nvPr/>
+        </p:nvSpPr>
+        <p:spPr bwMode="auto">
+          <a:xfrm>
+            <a:off x="6096000" y="3429000"/>
+            <a:ext cx="304800" cy="304800"/>
+          </a:xfrm>
+          <a:prstGeom prst="rect">
+            <a:avLst/>
+          </a:prstGeom>
+          <a:noFill/>
+          <a:extLst>
+            <a:ext uri="{909E8E84-426E-40DD-AFC4-6F175D3DCCD1}">
+              <a14:hiddenFill xmlns:a14="http://schemas.microsoft.com/office/drawing/2010/main">
+                <a:solidFill>
+                  <a:srgbClr val="FFFFFF"/>
+                </a:solidFill>
+              </a14:hiddenFill>
+            </a:ext>
+          </a:extLst>
+        </p:spPr>
+        <p:txBody>
+          <a:bodyPr vert="horz" wrap="square" lIns="91440" tIns="45720" rIns="91440" bIns="45720" numCol="1" anchor="t" anchorCtr="0" compatLnSpc="1">
+            <a:prstTxWarp prst="textNoShape">
+              <a:avLst/>
+            </a:prstTxWarp>
+          </a:bodyPr>
+          <a:lstStyle/>
+          <a:p>
+            <a:endParaRPr lang="ru-RU"/>
+          </a:p>
+        </p:txBody>
+      </p:sp>
+    </p:spTree>
+    <p:extLst>
+      <p:ext uri="{BB962C8B-B14F-4D97-AF65-F5344CB8AC3E}">
+        <p14:creationId xmlns:p14="http://schemas.microsoft.com/office/powerpoint/2010/main" val="3996701147"/>
+      </p:ext>
+    </p:extLst>
+  </p:cSld>
+  <p:clrMapOvr>
+    <a:masterClrMapping/>
+  </p:clrMapOvr>
+  <p:transition spd="slow">
+    <p:push/>
+  </p:transition>
+</p:sld>
+</file>
+
+<file path=ppt/slides/slide5.xml><?xml version="1.0" encoding="utf-8"?>
+<p:sld xmlns:a="http://schemas.openxmlformats.org/drawingml/2006/main" xmlns:r="http://schemas.openxmlformats.org/officeDocument/2006/relationships" xmlns:p="http://schemas.openxmlformats.org/presentationml/2006/main">
+  <p:cSld>
+    <p:spTree>
+      <p:nvGrpSpPr>
+        <p:cNvPr id="1" name=""/>
+        <p:cNvGrpSpPr/>
+        <p:nvPr/>
+      </p:nvGrpSpPr>
+      <p:grpSpPr>
+        <a:xfrm>
+          <a:off x="0" y="0"/>
+          <a:ext cx="0" cy="0"/>
+          <a:chOff x="0" y="0"/>
+          <a:chExt cx="0" cy="0"/>
+        </a:xfrm>
+      </p:grpSpPr>
+      <p:sp>
+        <p:nvSpPr>
+          <p:cNvPr id="2" name="Заголовок 1">
+            <a:extLst>
+              <a:ext uri="{FF2B5EF4-FFF2-40B4-BE49-F238E27FC236}">
+                <a16:creationId xmlns:a16="http://schemas.microsoft.com/office/drawing/2014/main" id="{5D6AB980-415A-4CF3-B3A8-0B22AE2BD707}"/>
+              </a:ext>
+            </a:extLst>
+          </p:cNvPr>
+          <p:cNvSpPr>
+            <a:spLocks noGrp="1"/>
+          </p:cNvSpPr>
+          <p:nvPr>
+            <p:ph type="title"/>
+          </p:nvPr>
+        </p:nvSpPr>
+        <p:spPr/>
+        <p:txBody>
+          <a:bodyPr/>
+          <a:lstStyle/>
+          <a:p>
+            <a:r>
+              <a:rPr lang="ru-RU" dirty="0"/>
+              <a:t>Подключение к данным в Power BI</a:t>
+            </a:r>
+          </a:p>
+        </p:txBody>
+      </p:sp>
+      <p:pic>
+        <p:nvPicPr>
+          <p:cNvPr id="4" name="Рисунок 3">
+            <a:extLst>
+              <a:ext uri="{FF2B5EF4-FFF2-40B4-BE49-F238E27FC236}">
+                <a16:creationId xmlns:a16="http://schemas.microsoft.com/office/drawing/2014/main" id="{69FA0E25-7164-4C9C-B375-9C89E8F114E7}"/>
+              </a:ext>
+            </a:extLst>
+          </p:cNvPr>
+          <p:cNvPicPr>
+            <a:picLocks noChangeAspect="1"/>
+          </p:cNvPicPr>
+          <p:nvPr/>
+        </p:nvPicPr>
+        <p:blipFill>
+          <a:blip r:embed="rId2">
+            <a:extLst>
+              <a:ext uri="{28A0092B-C50C-407E-A947-70E740481C1C}">
+                <a14:useLocalDpi xmlns:a14="http://schemas.microsoft.com/office/drawing/2010/main" val="0"/>
+              </a:ext>
+            </a:extLst>
+          </a:blip>
+          <a:stretch>
+            <a:fillRect/>
+          </a:stretch>
+        </p:blipFill>
+        <p:spPr>
+          <a:xfrm>
+            <a:off x="10409103" y="303057"/>
+            <a:ext cx="2002298" cy="2002298"/>
+          </a:xfrm>
+          <a:prstGeom prst="rect">
+            <a:avLst/>
+          </a:prstGeom>
+        </p:spPr>
+      </p:pic>
+      <p:sp>
+        <p:nvSpPr>
+          <p:cNvPr id="13" name="AutoShape 6" descr="Жмем Подключить">
+            <a:extLst>
+              <a:ext uri="{FF2B5EF4-FFF2-40B4-BE49-F238E27FC236}">
+                <a16:creationId xmlns:a16="http://schemas.microsoft.com/office/drawing/2014/main" id="{746BA8B9-0E2D-4529-A7FE-5CF9AF5B63E1}"/>
+              </a:ext>
+            </a:extLst>
+          </p:cNvPr>
+          <p:cNvSpPr>
+            <a:spLocks noChangeAspect="1" noChangeArrowheads="1"/>
+          </p:cNvSpPr>
+          <p:nvPr/>
+        </p:nvSpPr>
+        <p:spPr bwMode="auto">
+          <a:xfrm>
+            <a:off x="5943600" y="3276600"/>
+            <a:ext cx="304800" cy="304800"/>
+          </a:xfrm>
+          <a:prstGeom prst="rect">
+            <a:avLst/>
+          </a:prstGeom>
+          <a:noFill/>
+          <a:extLst>
+            <a:ext uri="{909E8E84-426E-40DD-AFC4-6F175D3DCCD1}">
+              <a14:hiddenFill xmlns:a14="http://schemas.microsoft.com/office/drawing/2010/main">
+                <a:solidFill>
+                  <a:srgbClr val="FFFFFF"/>
+                </a:solidFill>
+              </a14:hiddenFill>
+            </a:ext>
+          </a:extLst>
+        </p:spPr>
+        <p:txBody>
+          <a:bodyPr vert="horz" wrap="square" lIns="91440" tIns="45720" rIns="91440" bIns="45720" numCol="1" anchor="t" anchorCtr="0" compatLnSpc="1">
+            <a:prstTxWarp prst="textNoShape">
+              <a:avLst/>
+            </a:prstTxWarp>
+          </a:bodyPr>
+          <a:lstStyle/>
+          <a:p>
+            <a:endParaRPr lang="ru-RU"/>
+          </a:p>
+        </p:txBody>
+      </p:sp>
+      <p:sp>
+        <p:nvSpPr>
+          <p:cNvPr id="14" name="AutoShape 8" descr="Жмем Подключить">
+            <a:extLst>
+              <a:ext uri="{FF2B5EF4-FFF2-40B4-BE49-F238E27FC236}">
+                <a16:creationId xmlns:a16="http://schemas.microsoft.com/office/drawing/2014/main" id="{D7541AE5-64E0-4796-8E85-4D1F7B58595A}"/>
+              </a:ext>
+            </a:extLst>
+          </p:cNvPr>
+          <p:cNvSpPr>
+            <a:spLocks noChangeAspect="1" noChangeArrowheads="1"/>
+          </p:cNvSpPr>
+          <p:nvPr/>
+        </p:nvSpPr>
+        <p:spPr bwMode="auto">
+          <a:xfrm>
+            <a:off x="6096000" y="3429000"/>
+            <a:ext cx="304800" cy="304800"/>
+          </a:xfrm>
+          <a:prstGeom prst="rect">
+            <a:avLst/>
+          </a:prstGeom>
+          <a:noFill/>
+          <a:extLst>
+            <a:ext uri="{909E8E84-426E-40DD-AFC4-6F175D3DCCD1}">
+              <a14:hiddenFill xmlns:a14="http://schemas.microsoft.com/office/drawing/2010/main">
+                <a:solidFill>
+                  <a:srgbClr val="FFFFFF"/>
+                </a:solidFill>
+              </a14:hiddenFill>
+            </a:ext>
+          </a:extLst>
+        </p:spPr>
+        <p:txBody>
+          <a:bodyPr vert="horz" wrap="square" lIns="91440" tIns="45720" rIns="91440" bIns="45720" numCol="1" anchor="t" anchorCtr="0" compatLnSpc="1">
+            <a:prstTxWarp prst="textNoShape">
+              <a:avLst/>
+            </a:prstTxWarp>
+          </a:bodyPr>
+          <a:lstStyle/>
+          <a:p>
+            <a:endParaRPr lang="ru-RU"/>
+          </a:p>
+        </p:txBody>
+      </p:sp>
+      <p:pic>
+        <p:nvPicPr>
+          <p:cNvPr id="8" name="Объект 7">
+            <a:extLst>
+              <a:ext uri="{FF2B5EF4-FFF2-40B4-BE49-F238E27FC236}">
+                <a16:creationId xmlns:a16="http://schemas.microsoft.com/office/drawing/2014/main" id="{11C0551E-314B-47C2-9614-895C973F965E}"/>
+              </a:ext>
+            </a:extLst>
+          </p:cNvPr>
+          <p:cNvPicPr>
+            <a:picLocks noGrp="1" noChangeAspect="1"/>
+          </p:cNvPicPr>
+          <p:nvPr>
+            <p:ph idx="1"/>
+          </p:nvPr>
+        </p:nvPicPr>
+        <p:blipFill>
+          <a:blip r:embed="rId3">
+            <a:extLst>
+              <a:ext uri="{28A0092B-C50C-407E-A947-70E740481C1C}">
+                <a14:useLocalDpi xmlns:a14="http://schemas.microsoft.com/office/drawing/2010/main" val="0"/>
+              </a:ext>
+            </a:extLst>
+          </a:blip>
+          <a:stretch>
+            <a:fillRect/>
+          </a:stretch>
+        </p:blipFill>
+        <p:spPr>
+          <a:xfrm>
+            <a:off x="3549389" y="2069448"/>
+            <a:ext cx="4221018" cy="4634706"/>
+          </a:xfrm>
+        </p:spPr>
+      </p:pic>
+    </p:spTree>
+    <p:extLst>
+      <p:ext uri="{BB962C8B-B14F-4D97-AF65-F5344CB8AC3E}">
+        <p14:creationId xmlns:p14="http://schemas.microsoft.com/office/powerpoint/2010/main" val="2923187688"/>
+      </p:ext>
+    </p:extLst>
+  </p:cSld>
+  <p:clrMapOvr>
+    <a:masterClrMapping/>
+  </p:clrMapOvr>
+  <mc:AlternateContent xmlns:mc="http://schemas.openxmlformats.org/markup-compatibility/2006" xmlns:p14="http://schemas.microsoft.com/office/powerpoint/2010/main">
+    <mc:Choice Requires="p14">
+      <p:transition spd="med" p14:dur="700">
+        <p:fade/>
+      </p:transition>
+    </mc:Choice>
+    <mc:Fallback xmlns="">
+      <p:transition spd="med">
+        <p:fade/>
+      </p:transition>
+    </mc:Fallback>
+  </mc:AlternateContent>
+</p:sld>
+</file>
+
+<file path=ppt/slides/slide6.xml><?xml version="1.0" encoding="utf-8"?>
+<p:sld xmlns:a="http://schemas.openxmlformats.org/drawingml/2006/main" xmlns:r="http://schemas.openxmlformats.org/officeDocument/2006/relationships" xmlns:p="http://schemas.openxmlformats.org/presentationml/2006/main">
+  <p:cSld>
+    <p:spTree>
+      <p:nvGrpSpPr>
+        <p:cNvPr id="1" name=""/>
+        <p:cNvGrpSpPr/>
+        <p:nvPr/>
+      </p:nvGrpSpPr>
+      <p:grpSpPr>
+        <a:xfrm>
+          <a:off x="0" y="0"/>
+          <a:ext cx="0" cy="0"/>
+          <a:chOff x="0" y="0"/>
+          <a:chExt cx="0" cy="0"/>
+        </a:xfrm>
+      </p:grpSpPr>
+      <p:sp>
+        <p:nvSpPr>
+          <p:cNvPr id="2" name="Заголовок 1">
+            <a:extLst>
+              <a:ext uri="{FF2B5EF4-FFF2-40B4-BE49-F238E27FC236}">
+                <a16:creationId xmlns:a16="http://schemas.microsoft.com/office/drawing/2014/main" id="{0FAA3057-9B82-4AA1-96EA-FBF21E79D008}"/>
+              </a:ext>
+            </a:extLst>
+          </p:cNvPr>
+          <p:cNvSpPr>
+            <a:spLocks noGrp="1"/>
+          </p:cNvSpPr>
+          <p:nvPr>
+            <p:ph type="title"/>
+          </p:nvPr>
+        </p:nvSpPr>
+        <p:spPr>
+          <a:xfrm>
+            <a:off x="680321" y="737084"/>
+            <a:ext cx="9613861" cy="1080938"/>
+          </a:xfrm>
+        </p:spPr>
+        <p:txBody>
+          <a:bodyPr>
+            <a:normAutofit/>
+          </a:bodyPr>
+          <a:lstStyle/>
+          <a:p>
+            <a:r>
+              <a:rPr lang="ru-RU" dirty="0"/>
+              <a:t>Подготовка данных в Power BI</a:t>
+            </a:r>
+          </a:p>
+        </p:txBody>
+      </p:sp>
+      <p:sp>
+        <p:nvSpPr>
+          <p:cNvPr id="3" name="Объект 2">
+            <a:extLst>
+              <a:ext uri="{FF2B5EF4-FFF2-40B4-BE49-F238E27FC236}">
+                <a16:creationId xmlns:a16="http://schemas.microsoft.com/office/drawing/2014/main" id="{CF934440-27AE-48F4-9EB5-40D66DFDD808}"/>
+              </a:ext>
+            </a:extLst>
+          </p:cNvPr>
+          <p:cNvSpPr>
+            <a:spLocks noGrp="1"/>
+          </p:cNvSpPr>
+          <p:nvPr>
+            <p:ph idx="1"/>
+          </p:nvPr>
+        </p:nvSpPr>
+        <p:spPr/>
+        <p:txBody>
+          <a:bodyPr/>
+          <a:lstStyle/>
+          <a:p>
+            <a:pPr marL="0" indent="442913" defTabSz="803275"/>
+            <a:r>
+              <a:rPr lang="ru-RU" dirty="0"/>
+              <a:t>Очистка данных: удаление ошибок, пропусков и других проблем из данных.</a:t>
+            </a:r>
+          </a:p>
+          <a:p>
+            <a:pPr marL="0" indent="442913" defTabSz="803275"/>
+            <a:r>
+              <a:rPr lang="ru-RU" dirty="0"/>
+              <a:t>Преобразование данных: изменение формата данных или структуры данных для соответствия требованиям анализа.</a:t>
+            </a:r>
+          </a:p>
+          <a:p>
+            <a:pPr marL="0" indent="442913" defTabSz="803275"/>
+            <a:r>
+              <a:rPr lang="ru-RU" dirty="0"/>
+              <a:t>Формирование данных: создание новых столбцов или строк на основе существующих данных.</a:t>
+            </a:r>
+          </a:p>
+        </p:txBody>
+      </p:sp>
+      <p:pic>
+        <p:nvPicPr>
+          <p:cNvPr id="6" name="Рисунок 5">
+            <a:extLst>
+              <a:ext uri="{FF2B5EF4-FFF2-40B4-BE49-F238E27FC236}">
+                <a16:creationId xmlns:a16="http://schemas.microsoft.com/office/drawing/2014/main" id="{AD10B80C-BDFE-4454-B91D-41D38800850A}"/>
+              </a:ext>
+            </a:extLst>
+          </p:cNvPr>
+          <p:cNvPicPr>
+            <a:picLocks noChangeAspect="1"/>
+          </p:cNvPicPr>
+          <p:nvPr/>
+        </p:nvPicPr>
+        <p:blipFill>
+          <a:blip r:embed="rId2">
+            <a:extLst>
+              <a:ext uri="{28A0092B-C50C-407E-A947-70E740481C1C}">
+                <a14:useLocalDpi xmlns:a14="http://schemas.microsoft.com/office/drawing/2010/main" val="0"/>
+              </a:ext>
+            </a:extLst>
+          </a:blip>
+          <a:stretch>
+            <a:fillRect/>
+          </a:stretch>
+        </p:blipFill>
+        <p:spPr>
+          <a:xfrm>
+            <a:off x="10409103" y="303057"/>
+            <a:ext cx="2002298" cy="2002298"/>
+          </a:xfrm>
+          <a:prstGeom prst="rect">
+            <a:avLst/>
+          </a:prstGeom>
+        </p:spPr>
+      </p:pic>
+    </p:spTree>
+    <p:extLst>
+      <p:ext uri="{BB962C8B-B14F-4D97-AF65-F5344CB8AC3E}">
+        <p14:creationId xmlns:p14="http://schemas.microsoft.com/office/powerpoint/2010/main" val="2791024684"/>
+      </p:ext>
+    </p:extLst>
+  </p:cSld>
+  <p:clrMapOvr>
+    <a:masterClrMapping/>
+  </p:clrMapOvr>
+  <p:transition spd="slow">
+    <p:push dir="u"/>
+  </p:transition>
+</p:sld>
+</file>
+
+<file path=ppt/slides/slide7.xml><?xml version="1.0" encoding="utf-8"?>
+<p:sld xmlns:a="http://schemas.openxmlformats.org/drawingml/2006/main" xmlns:r="http://schemas.openxmlformats.org/officeDocument/2006/relationships" xmlns:p="http://schemas.openxmlformats.org/presentationml/2006/main">
+  <p:cSld>
+    <p:spTree>
+      <p:nvGrpSpPr>
+        <p:cNvPr id="1" name=""/>
+        <p:cNvGrpSpPr/>
+        <p:nvPr/>
+      </p:nvGrpSpPr>
+      <p:grpSpPr>
+        <a:xfrm>
+          <a:off x="0" y="0"/>
+          <a:ext cx="0" cy="0"/>
+          <a:chOff x="0" y="0"/>
+          <a:chExt cx="0" cy="0"/>
+        </a:xfrm>
+      </p:grpSpPr>
+      <p:sp>
+        <p:nvSpPr>
+          <p:cNvPr id="2" name="Заголовок 1">
+            <a:extLst>
+              <a:ext uri="{FF2B5EF4-FFF2-40B4-BE49-F238E27FC236}">
+                <a16:creationId xmlns:a16="http://schemas.microsoft.com/office/drawing/2014/main" id="{0FAA3057-9B82-4AA1-96EA-FBF21E79D008}"/>
+              </a:ext>
+            </a:extLst>
+          </p:cNvPr>
+          <p:cNvSpPr>
+            <a:spLocks noGrp="1"/>
+          </p:cNvSpPr>
+          <p:nvPr>
+            <p:ph type="title"/>
+          </p:nvPr>
+        </p:nvSpPr>
+        <p:spPr>
+          <a:xfrm>
+            <a:off x="680321" y="737084"/>
+            <a:ext cx="9613861" cy="1080938"/>
+          </a:xfrm>
+        </p:spPr>
+        <p:txBody>
+          <a:bodyPr>
+            <a:normAutofit/>
+          </a:bodyPr>
+          <a:lstStyle/>
+          <a:p>
+            <a:r>
+              <a:rPr lang="ru-RU" dirty="0"/>
+              <a:t>Подготовка данных в Power BI</a:t>
+            </a:r>
+          </a:p>
+        </p:txBody>
+      </p:sp>
+      <p:pic>
+        <p:nvPicPr>
+          <p:cNvPr id="5" name="Рисунок 4">
+            <a:extLst>
+              <a:ext uri="{FF2B5EF4-FFF2-40B4-BE49-F238E27FC236}">
+                <a16:creationId xmlns:a16="http://schemas.microsoft.com/office/drawing/2014/main" id="{9430B8FE-1E41-43D1-9EBB-5C88168A218F}"/>
+              </a:ext>
+            </a:extLst>
+          </p:cNvPr>
+          <p:cNvPicPr>
+            <a:picLocks noChangeAspect="1"/>
+          </p:cNvPicPr>
+          <p:nvPr/>
+        </p:nvPicPr>
+        <p:blipFill>
+          <a:blip r:embed="rId2">
+            <a:extLst>
+              <a:ext uri="{28A0092B-C50C-407E-A947-70E740481C1C}">
+                <a14:useLocalDpi xmlns:a14="http://schemas.microsoft.com/office/drawing/2010/main" val="0"/>
+              </a:ext>
+            </a:extLst>
+          </a:blip>
+          <a:stretch>
+            <a:fillRect/>
+          </a:stretch>
+        </p:blipFill>
+        <p:spPr>
+          <a:xfrm>
+            <a:off x="1552529" y="2329402"/>
+            <a:ext cx="8514286" cy="4009524"/>
+          </a:xfrm>
+          <a:prstGeom prst="rect">
+            <a:avLst/>
+          </a:prstGeom>
+        </p:spPr>
+      </p:pic>
+      <p:sp>
+        <p:nvSpPr>
+          <p:cNvPr id="7" name="TextBox 6">
+            <a:extLst>
+              <a:ext uri="{FF2B5EF4-FFF2-40B4-BE49-F238E27FC236}">
+                <a16:creationId xmlns:a16="http://schemas.microsoft.com/office/drawing/2014/main" id="{A43A13DD-D759-4BCB-A6CE-31937F0C0417}"/>
+              </a:ext>
+            </a:extLst>
+          </p:cNvPr>
+          <p:cNvSpPr txBox="1"/>
+          <p:nvPr/>
+        </p:nvSpPr>
+        <p:spPr>
+          <a:xfrm>
+            <a:off x="3048000" y="3246643"/>
+            <a:ext cx="6096000" cy="369332"/>
+          </a:xfrm>
+          <a:prstGeom prst="rect">
+            <a:avLst/>
+          </a:prstGeom>
+          <a:noFill/>
+        </p:spPr>
+        <p:txBody>
+          <a:bodyPr wrap="square">
+            <a:spAutoFit/>
+          </a:bodyPr>
+          <a:lstStyle/>
+          <a:p>
+            <a:r>
+              <a:rPr lang="ru-RU" b="0" i="0" dirty="0">
+                <a:solidFill>
+                  <a:srgbClr val="E3E3E3"/>
+                </a:solidFill>
+                <a:effectLst/>
+                <a:latin typeface="Google Sans"/>
+              </a:rPr>
+              <a:t>Подготовка данных в Power BI</a:t>
+            </a:r>
+            <a:endParaRPr lang="ru-RU" dirty="0"/>
+          </a:p>
+        </p:txBody>
+      </p:sp>
+      <p:pic>
+        <p:nvPicPr>
+          <p:cNvPr id="10" name="Рисунок 9">
+            <a:extLst>
+              <a:ext uri="{FF2B5EF4-FFF2-40B4-BE49-F238E27FC236}">
+                <a16:creationId xmlns:a16="http://schemas.microsoft.com/office/drawing/2014/main" id="{D57C306C-17A9-467F-B054-BC9C3DA406D7}"/>
+              </a:ext>
+            </a:extLst>
+          </p:cNvPr>
+          <p:cNvPicPr>
+            <a:picLocks noChangeAspect="1"/>
+          </p:cNvPicPr>
+          <p:nvPr/>
+        </p:nvPicPr>
+        <p:blipFill>
+          <a:blip r:embed="rId3">
+            <a:extLst>
+              <a:ext uri="{28A0092B-C50C-407E-A947-70E740481C1C}">
+                <a14:useLocalDpi xmlns:a14="http://schemas.microsoft.com/office/drawing/2010/main" val="0"/>
+              </a:ext>
+            </a:extLst>
+          </a:blip>
+          <a:stretch>
+            <a:fillRect/>
+          </a:stretch>
+        </p:blipFill>
+        <p:spPr>
+          <a:xfrm>
+            <a:off x="10409103" y="303057"/>
+            <a:ext cx="2002298" cy="2002298"/>
+          </a:xfrm>
+          <a:prstGeom prst="rect">
+            <a:avLst/>
+          </a:prstGeom>
+        </p:spPr>
+      </p:pic>
+    </p:spTree>
+    <p:extLst>
+      <p:ext uri="{BB962C8B-B14F-4D97-AF65-F5344CB8AC3E}">
+        <p14:creationId xmlns:p14="http://schemas.microsoft.com/office/powerpoint/2010/main" val="281339005"/>
+      </p:ext>
+    </p:extLst>
+  </p:cSld>
+  <p:clrMapOvr>
+    <a:masterClrMapping/>
+  </p:clrMapOvr>
+  <mc:AlternateContent xmlns:mc="http://schemas.openxmlformats.org/markup-compatibility/2006" xmlns:p14="http://schemas.microsoft.com/office/powerpoint/2010/main">
+    <mc:Choice Requires="p14">
+      <p:transition spd="med" p14:dur="700">
+        <p:fade/>
+      </p:transition>
+    </mc:Choice>
+    <mc:Fallback xmlns="">
+      <p:transition spd="med">
+        <p:fade/>
+      </p:transition>
+    </mc:Fallback>
+  </mc:AlternateContent>
+</p:sld>
+</file>
+
+<file path=ppt/slides/slide8.xml><?xml version="1.0" encoding="utf-8"?>
+<p:sld xmlns:a="http://schemas.openxmlformats.org/drawingml/2006/main" xmlns:r="http://schemas.openxmlformats.org/officeDocument/2006/relationships" xmlns:p="http://schemas.openxmlformats.org/presentationml/2006/main">
+  <p:cSld>
+    <p:spTree>
+      <p:nvGrpSpPr>
+        <p:cNvPr id="1" name=""/>
+        <p:cNvGrpSpPr/>
+        <p:nvPr/>
+      </p:nvGrpSpPr>
+      <p:grpSpPr>
+        <a:xfrm>
+          <a:off x="0" y="0"/>
+          <a:ext cx="0" cy="0"/>
+          <a:chOff x="0" y="0"/>
+          <a:chExt cx="0" cy="0"/>
+        </a:xfrm>
+      </p:grpSpPr>
+      <p:sp>
+        <p:nvSpPr>
+          <p:cNvPr id="2" name="Заголовок 1">
+            <a:extLst>
+              <a:ext uri="{FF2B5EF4-FFF2-40B4-BE49-F238E27FC236}">
+                <a16:creationId xmlns:a16="http://schemas.microsoft.com/office/drawing/2014/main" id="{0FAA3057-9B82-4AA1-96EA-FBF21E79D008}"/>
+              </a:ext>
+            </a:extLst>
+          </p:cNvPr>
+          <p:cNvSpPr>
+            <a:spLocks noGrp="1"/>
+          </p:cNvSpPr>
+          <p:nvPr>
+            <p:ph type="title"/>
+          </p:nvPr>
+        </p:nvSpPr>
+        <p:spPr>
+          <a:xfrm>
+            <a:off x="680321" y="737084"/>
+            <a:ext cx="9613861" cy="1080938"/>
+          </a:xfrm>
+        </p:spPr>
+        <p:txBody>
+          <a:bodyPr>
+            <a:normAutofit/>
+          </a:bodyPr>
+          <a:lstStyle/>
+          <a:p>
+            <a:r>
+              <a:rPr lang="ru-RU" dirty="0"/>
+              <a:t>Визуализация данных в Power BI</a:t>
+            </a:r>
+          </a:p>
+        </p:txBody>
+      </p:sp>
+      <p:sp>
+        <p:nvSpPr>
+          <p:cNvPr id="3" name="Объект 2">
+            <a:extLst>
+              <a:ext uri="{FF2B5EF4-FFF2-40B4-BE49-F238E27FC236}">
+                <a16:creationId xmlns:a16="http://schemas.microsoft.com/office/drawing/2014/main" id="{CF934440-27AE-48F4-9EB5-40D66DFDD808}"/>
+              </a:ext>
+            </a:extLst>
+          </p:cNvPr>
+          <p:cNvSpPr>
+            <a:spLocks noGrp="1"/>
+          </p:cNvSpPr>
+          <p:nvPr>
+            <p:ph idx="1"/>
+          </p:nvPr>
+        </p:nvSpPr>
+        <p:spPr/>
+        <p:txBody>
+          <a:bodyPr/>
+          <a:lstStyle/>
+          <a:p>
+            <a:pPr marL="0" indent="442913" defTabSz="803275"/>
+            <a:r>
+              <a:rPr lang="ru-RU" dirty="0"/>
+              <a:t>Диаграммы: столбчатые диаграммы, круговые диаграммы, линейные диаграммы, точечные диаграммы, пузырьковые диаграммы и т. д.</a:t>
+            </a:r>
+          </a:p>
+          <a:p>
+            <a:pPr marL="0" indent="442913" defTabSz="803275"/>
+            <a:r>
+              <a:rPr lang="ru-RU" dirty="0"/>
+              <a:t>Графики: гистограммы, точечные графики, графики распределения, графики тренда и т. д.</a:t>
+            </a:r>
+          </a:p>
+          <a:p>
+            <a:pPr marL="0" indent="442913" defTabSz="803275"/>
+            <a:r>
+              <a:rPr lang="ru-RU" dirty="0"/>
+              <a:t>Карты: географические карты, карты плотности, карты тепловых карт и т. д.</a:t>
+            </a:r>
+          </a:p>
+        </p:txBody>
+      </p:sp>
+      <p:pic>
+        <p:nvPicPr>
+          <p:cNvPr id="6" name="Рисунок 5">
+            <a:extLst>
+              <a:ext uri="{FF2B5EF4-FFF2-40B4-BE49-F238E27FC236}">
+                <a16:creationId xmlns:a16="http://schemas.microsoft.com/office/drawing/2014/main" id="{AD10B80C-BDFE-4454-B91D-41D38800850A}"/>
+              </a:ext>
+            </a:extLst>
+          </p:cNvPr>
+          <p:cNvPicPr>
+            <a:picLocks noChangeAspect="1"/>
+          </p:cNvPicPr>
+          <p:nvPr/>
+        </p:nvPicPr>
+        <p:blipFill>
+          <a:blip r:embed="rId2">
+            <a:extLst>
+              <a:ext uri="{28A0092B-C50C-407E-A947-70E740481C1C}">
+                <a14:useLocalDpi xmlns:a14="http://schemas.microsoft.com/office/drawing/2010/main" val="0"/>
+              </a:ext>
+            </a:extLst>
+          </a:blip>
+          <a:stretch>
+            <a:fillRect/>
+          </a:stretch>
+        </p:blipFill>
+        <p:spPr>
+          <a:xfrm>
+            <a:off x="10409103" y="303057"/>
+            <a:ext cx="2002298" cy="2002298"/>
+          </a:xfrm>
+          <a:prstGeom prst="rect">
+            <a:avLst/>
+          </a:prstGeom>
+        </p:spPr>
+      </p:pic>
+    </p:spTree>
+    <p:extLst>
+      <p:ext uri="{BB962C8B-B14F-4D97-AF65-F5344CB8AC3E}">
+        <p14:creationId xmlns:p14="http://schemas.microsoft.com/office/powerpoint/2010/main" val="2552609762"/>
+      </p:ext>
+    </p:extLst>
+  </p:cSld>
+  <p:clrMapOvr>
+    <a:masterClrMapping/>
+  </p:clrMapOvr>
+  <p:transition spd="slow">
+    <p:push dir="u"/>
+  </p:transition>
+</p:sld>
+</file>
+
+<file path=ppt/slides/slide9.xml><?xml version="1.0" encoding="utf-8"?>
+<p:sld xmlns:a="http://schemas.openxmlformats.org/drawingml/2006/main" xmlns:r="http://schemas.openxmlformats.org/officeDocument/2006/relationships" xmlns:p="http://schemas.openxmlformats.org/presentationml/2006/main">
+  <p:cSld>
+    <p:spTree>
+      <p:nvGrpSpPr>
+        <p:cNvPr id="1" name=""/>
+        <p:cNvGrpSpPr/>
+        <p:nvPr/>
+      </p:nvGrpSpPr>
+      <p:grpSpPr>
+        <a:xfrm>
+          <a:off x="0" y="0"/>
+          <a:ext cx="0" cy="0"/>
+          <a:chOff x="0" y="0"/>
+          <a:chExt cx="0" cy="0"/>
+        </a:xfrm>
+      </p:grpSpPr>
+      <p:sp>
+        <p:nvSpPr>
+          <p:cNvPr id="7" name="TextBox 6">
+            <a:extLst>
+              <a:ext uri="{FF2B5EF4-FFF2-40B4-BE49-F238E27FC236}">
+                <a16:creationId xmlns:a16="http://schemas.microsoft.com/office/drawing/2014/main" id="{A43A13DD-D759-4BCB-A6CE-31937F0C0417}"/>
+              </a:ext>
+            </a:extLst>
+          </p:cNvPr>
+          <p:cNvSpPr txBox="1"/>
+          <p:nvPr/>
+        </p:nvSpPr>
+        <p:spPr>
+          <a:xfrm>
+            <a:off x="3048000" y="3246643"/>
+            <a:ext cx="6096000" cy="369332"/>
+          </a:xfrm>
+          <a:prstGeom prst="rect">
+            <a:avLst/>
+          </a:prstGeom>
+          <a:noFill/>
+        </p:spPr>
+        <p:txBody>
+          <a:bodyPr wrap="square">
+            <a:spAutoFit/>
+          </a:bodyPr>
+          <a:lstStyle/>
+          <a:p>
+            <a:r>
+              <a:rPr lang="ru-RU" b="0" i="0" dirty="0">
+                <a:solidFill>
+                  <a:srgbClr val="E3E3E3"/>
+                </a:solidFill>
+                <a:effectLst/>
+                <a:latin typeface="Google Sans"/>
+              </a:rPr>
+              <a:t>Подготовка данных в Power BI</a:t>
+            </a:r>
+            <a:endParaRPr lang="ru-RU" dirty="0"/>
+          </a:p>
+        </p:txBody>
+      </p:sp>
+      <p:pic>
+        <p:nvPicPr>
+          <p:cNvPr id="10" name="Рисунок 9">
+            <a:extLst>
+              <a:ext uri="{FF2B5EF4-FFF2-40B4-BE49-F238E27FC236}">
+                <a16:creationId xmlns:a16="http://schemas.microsoft.com/office/drawing/2014/main" id="{D57C306C-17A9-467F-B054-BC9C3DA406D7}"/>
+              </a:ext>
+            </a:extLst>
+          </p:cNvPr>
+          <p:cNvPicPr>
+            <a:picLocks noChangeAspect="1"/>
+          </p:cNvPicPr>
+          <p:nvPr/>
+        </p:nvPicPr>
+        <p:blipFill>
+          <a:blip r:embed="rId2">
+            <a:extLst>
+              <a:ext uri="{28A0092B-C50C-407E-A947-70E740481C1C}">
+                <a14:useLocalDpi xmlns:a14="http://schemas.microsoft.com/office/drawing/2010/main" val="0"/>
+              </a:ext>
+            </a:extLst>
+          </a:blip>
+          <a:stretch>
+            <a:fillRect/>
+          </a:stretch>
+        </p:blipFill>
+        <p:spPr>
+          <a:xfrm>
+            <a:off x="10409103" y="303057"/>
+            <a:ext cx="2002298" cy="2002298"/>
+          </a:xfrm>
+          <a:prstGeom prst="rect">
+            <a:avLst/>
+          </a:prstGeom>
+        </p:spPr>
+      </p:pic>
+      <p:sp>
+        <p:nvSpPr>
+          <p:cNvPr id="9" name="Заголовок 1">
+            <a:extLst>
+              <a:ext uri="{FF2B5EF4-FFF2-40B4-BE49-F238E27FC236}">
+                <a16:creationId xmlns:a16="http://schemas.microsoft.com/office/drawing/2014/main" id="{AF9CA1F4-538A-475D-9019-F5A461B97EEB}"/>
+              </a:ext>
+            </a:extLst>
+          </p:cNvPr>
+          <p:cNvSpPr>
+            <a:spLocks noGrp="1"/>
+          </p:cNvSpPr>
+          <p:nvPr>
+            <p:ph type="title"/>
+          </p:nvPr>
+        </p:nvSpPr>
+        <p:spPr>
+          <a:xfrm>
+            <a:off x="680321" y="737084"/>
+            <a:ext cx="9613861" cy="1080938"/>
+          </a:xfrm>
+        </p:spPr>
+        <p:txBody>
+          <a:bodyPr>
+            <a:normAutofit/>
+          </a:bodyPr>
+          <a:lstStyle/>
+          <a:p>
+            <a:r>
+              <a:rPr lang="ru-RU" dirty="0"/>
+              <a:t>Визуализация данных в Power BI</a:t>
+            </a:r>
+          </a:p>
+        </p:txBody>
+      </p:sp>
+      <p:pic>
+        <p:nvPicPr>
+          <p:cNvPr id="11" name="Рисунок 10">
+            <a:extLst>
+              <a:ext uri="{FF2B5EF4-FFF2-40B4-BE49-F238E27FC236}">
+                <a16:creationId xmlns:a16="http://schemas.microsoft.com/office/drawing/2014/main" id="{D1402F43-C68B-49E0-A57D-E76D9ADBCA5D}"/>
+              </a:ext>
+            </a:extLst>
+          </p:cNvPr>
+          <p:cNvPicPr>
+            <a:picLocks noChangeAspect="1"/>
+          </p:cNvPicPr>
+          <p:nvPr/>
+        </p:nvPicPr>
+        <p:blipFill>
+          <a:blip r:embed="rId3">
+            <a:extLst>
+              <a:ext uri="{28A0092B-C50C-407E-A947-70E740481C1C}">
+                <a14:useLocalDpi xmlns:a14="http://schemas.microsoft.com/office/drawing/2010/main" val="0"/>
+              </a:ext>
+            </a:extLst>
+          </a:blip>
+          <a:stretch>
+            <a:fillRect/>
+          </a:stretch>
+        </p:blipFill>
+        <p:spPr>
+          <a:xfrm>
+            <a:off x="1838037" y="2305355"/>
+            <a:ext cx="7962568" cy="4240482"/>
+          </a:xfrm>
+          <a:prstGeom prst="rect">
+            <a:avLst/>
+          </a:prstGeom>
+        </p:spPr>
+      </p:pic>
+    </p:spTree>
+    <p:extLst>
+      <p:ext uri="{BB962C8B-B14F-4D97-AF65-F5344CB8AC3E}">
+        <p14:creationId xmlns:p14="http://schemas.microsoft.com/office/powerpoint/2010/main" val="3269112346"/>
+      </p:ext>
+    </p:extLst>
+  </p:cSld>
+  <p:clrMapOvr>
+    <a:masterClrMapping/>
+  </p:clrMapOvr>
+  <mc:AlternateContent xmlns:mc="http://schemas.openxmlformats.org/markup-compatibility/2006" xmlns:p14="http://schemas.microsoft.com/office/powerpoint/2010/main">
+    <mc:Choice Requires="p14">
+      <p:transition spd="med" p14:dur="700">
+        <p:fade/>
+      </p:transition>
+    </mc:Choice>
+    <mc:Fallback xmlns="">
+      <p:transition spd="med">
+        <p:fade/>
+      </p:transition>
+    </mc:Fallback>
+  </mc:AlternateContent>
 </p:sld>
 </file>
 
@@ -8411,4 +11792,299 @@
     </a:ext>
   </a:extLst>
 </a:theme>
+</file>
+
+<file path=ppt/theme/theme2.xml><?xml version="1.0" encoding="utf-8"?>
+<a:theme xmlns:a="http://schemas.openxmlformats.org/drawingml/2006/main" name="Тема Office">
+  <a:themeElements>
+    <a:clrScheme name="Стандартная">
+      <a:dk1>
+        <a:sysClr val="windowText" lastClr="000000"/>
+      </a:dk1>
+      <a:lt1>
+        <a:sysClr val="window" lastClr="FFFFFF"/>
+      </a:lt1>
+      <a:dk2>
+        <a:srgbClr val="44546A"/>
+      </a:dk2>
+      <a:lt2>
+        <a:srgbClr val="E7E6E6"/>
+      </a:lt2>
+      <a:accent1>
+        <a:srgbClr val="4472C4"/>
+      </a:accent1>
+      <a:accent2>
+        <a:srgbClr val="ED7D31"/>
+      </a:accent2>
+      <a:accent3>
+        <a:srgbClr val="A5A5A5"/>
+      </a:accent3>
+      <a:accent4>
+        <a:srgbClr val="FFC000"/>
+      </a:accent4>
+      <a:accent5>
+        <a:srgbClr val="5B9BD5"/>
+      </a:accent5>
+      <a:accent6>
+        <a:srgbClr val="70AD47"/>
+      </a:accent6>
+      <a:hlink>
+        <a:srgbClr val="0563C1"/>
+      </a:hlink>
+      <a:folHlink>
+        <a:srgbClr val="954F72"/>
+      </a:folHlink>
+    </a:clrScheme>
+    <a:fontScheme name="Стандартная">
+      <a:majorFont>
+        <a:latin typeface="Calibri Light" panose="020F0302020204030204"/>
+        <a:ea typeface=""/>
+        <a:cs typeface=""/>
+        <a:font script="Jpan" typeface="游ゴシック Light"/>
+        <a:font script="Hang" typeface="맑은 고딕"/>
+        <a:font script="Hans" typeface="等线 Light"/>
+        <a:font script="Hant" typeface="新細明體"/>
+        <a:font script="Arab" typeface="Times New Roman"/>
+        <a:font script="Hebr" typeface="Times New Roman"/>
+        <a:font script="Thai" typeface="Angsana New"/>
+        <a:font script="Ethi" typeface="Nyala"/>
+        <a:font script="Beng" typeface="Vrinda"/>
+        <a:font script="Gujr" typeface="Shruti"/>
+        <a:font script="Khmr" typeface="MoolBoran"/>
+        <a:font script="Knda" typeface="Tunga"/>
+        <a:font script="Guru" typeface="Raavi"/>
+        <a:font script="Cans" typeface="Euphemia"/>
+        <a:font script="Cher" typeface="Plantagenet Cherokee"/>
+        <a:font script="Yiii" typeface="Microsoft Yi Baiti"/>
+        <a:font script="Tibt" typeface="Microsoft Himalaya"/>
+        <a:font script="Thaa" typeface="MV Boli"/>
+        <a:font script="Deva" typeface="Mangal"/>
+        <a:font script="Telu" typeface="Gautami"/>
+        <a:font script="Taml" typeface="Latha"/>
+        <a:font script="Syrc" typeface="Estrangelo Edessa"/>
+        <a:font script="Orya" typeface="Kalinga"/>
+        <a:font script="Mlym" typeface="Kartika"/>
+        <a:font script="Laoo" typeface="DokChampa"/>
+        <a:font script="Sinh" typeface="Iskoola Pota"/>
+        <a:font script="Mong" typeface="Mongolian Baiti"/>
+        <a:font script="Viet" typeface="Times New Roman"/>
+        <a:font script="Uigh" typeface="Microsoft Uighur"/>
+        <a:font script="Geor" typeface="Sylfaen"/>
+        <a:font script="Armn" typeface="Arial"/>
+        <a:font script="Bugi" typeface="Leelawadee UI"/>
+        <a:font script="Bopo" typeface="Microsoft JhengHei"/>
+        <a:font script="Java" typeface="Javanese Text"/>
+        <a:font script="Lisu" typeface="Segoe UI"/>
+        <a:font script="Mymr" typeface="Myanmar Text"/>
+        <a:font script="Nkoo" typeface="Ebrima"/>
+        <a:font script="Olck" typeface="Nirmala UI"/>
+        <a:font script="Osma" typeface="Ebrima"/>
+        <a:font script="Phag" typeface="Phagspa"/>
+        <a:font script="Syrn" typeface="Estrangelo Edessa"/>
+        <a:font script="Syrj" typeface="Estrangelo Edessa"/>
+        <a:font script="Syre" typeface="Estrangelo Edessa"/>
+        <a:font script="Sora" typeface="Nirmala UI"/>
+        <a:font script="Tale" typeface="Microsoft Tai Le"/>
+        <a:font script="Talu" typeface="Microsoft New Tai Lue"/>
+        <a:font script="Tfng" typeface="Ebrima"/>
+      </a:majorFont>
+      <a:minorFont>
+        <a:latin typeface="Calibri" panose="020F0502020204030204"/>
+        <a:ea typeface=""/>
+        <a:cs typeface=""/>
+        <a:font script="Jpan" typeface="游ゴシック"/>
+        <a:font script="Hang" typeface="맑은 고딕"/>
+        <a:font script="Hans" typeface="等线"/>
+        <a:font script="Hant" typeface="新細明體"/>
+        <a:font script="Arab" typeface="Arial"/>
+        <a:font script="Hebr" typeface="Arial"/>
+        <a:font script="Thai" typeface="Cordia New"/>
+        <a:font script="Ethi" typeface="Nyala"/>
+        <a:font script="Beng" typeface="Vrinda"/>
+        <a:font script="Gujr" typeface="Shruti"/>
+        <a:font script="Khmr" typeface="DaunPenh"/>
+        <a:font script="Knda" typeface="Tunga"/>
+        <a:font script="Guru" typeface="Raavi"/>
+        <a:font script="Cans" typeface="Euphemia"/>
+        <a:font script="Cher" typeface="Plantagenet Cherokee"/>
+        <a:font script="Yiii" typeface="Microsoft Yi Baiti"/>
+        <a:font script="Tibt" typeface="Microsoft Himalaya"/>
+        <a:font script="Thaa" typeface="MV Boli"/>
+        <a:font script="Deva" typeface="Mangal"/>
+        <a:font script="Telu" typeface="Gautami"/>
+        <a:font script="Taml" typeface="Latha"/>
+        <a:font script="Syrc" typeface="Estrangelo Edessa"/>
+        <a:font script="Orya" typeface="Kalinga"/>
+        <a:font script="Mlym" typeface="Kartika"/>
+        <a:font script="Laoo" typeface="DokChampa"/>
+        <a:font script="Sinh" typeface="Iskoola Pota"/>
+        <a:font script="Mong" typeface="Mongolian Baiti"/>
+        <a:font script="Viet" typeface="Arial"/>
+        <a:font script="Uigh" typeface="Microsoft Uighur"/>
+        <a:font script="Geor" typeface="Sylfaen"/>
+        <a:font script="Armn" typeface="Arial"/>
+        <a:font script="Bugi" typeface="Leelawadee UI"/>
+        <a:font script="Bopo" typeface="Microsoft JhengHei"/>
+        <a:font script="Java" typeface="Javanese Text"/>
+        <a:font script="Lisu" typeface="Segoe UI"/>
+        <a:font script="Mymr" typeface="Myanmar Text"/>
+        <a:font script="Nkoo" typeface="Ebrima"/>
+        <a:font script="Olck" typeface="Nirmala UI"/>
+        <a:font script="Osma" typeface="Ebrima"/>
+        <a:font script="Phag" typeface="Phagspa"/>
+        <a:font script="Syrn" typeface="Estrangelo Edessa"/>
+        <a:font script="Syrj" typeface="Estrangelo Edessa"/>
+        <a:font script="Syre" typeface="Estrangelo Edessa"/>
+        <a:font script="Sora" typeface="Nirmala UI"/>
+        <a:font script="Tale" typeface="Microsoft Tai Le"/>
+        <a:font script="Talu" typeface="Microsoft New Tai Lue"/>
+        <a:font script="Tfng" typeface="Ebrima"/>
+      </a:minorFont>
+    </a:fontScheme>
+    <a:fmtScheme name="Стандартная">
+      <a:fillStyleLst>
+        <a:solidFill>
+          <a:schemeClr val="phClr"/>
+        </a:solidFill>
+        <a:gradFill rotWithShape="1">
+          <a:gsLst>
+            <a:gs pos="0">
+              <a:schemeClr val="phClr">
+                <a:lumMod val="110000"/>
+                <a:satMod val="105000"/>
+                <a:tint val="67000"/>
+              </a:schemeClr>
+            </a:gs>
+            <a:gs pos="50000">
+              <a:schemeClr val="phClr">
+                <a:lumMod val="105000"/>
+                <a:satMod val="103000"/>
+                <a:tint val="73000"/>
+              </a:schemeClr>
+            </a:gs>
+            <a:gs pos="100000">
+              <a:schemeClr val="phClr">
+                <a:lumMod val="105000"/>
+                <a:satMod val="109000"/>
+                <a:tint val="81000"/>
+              </a:schemeClr>
+            </a:gs>
+          </a:gsLst>
+          <a:lin ang="5400000" scaled="0"/>
+        </a:gradFill>
+        <a:gradFill rotWithShape="1">
+          <a:gsLst>
+            <a:gs pos="0">
+              <a:schemeClr val="phClr">
+                <a:satMod val="103000"/>
+                <a:lumMod val="102000"/>
+                <a:tint val="94000"/>
+              </a:schemeClr>
+            </a:gs>
+            <a:gs pos="50000">
+              <a:schemeClr val="phClr">
+                <a:satMod val="110000"/>
+                <a:lumMod val="100000"/>
+                <a:shade val="100000"/>
+              </a:schemeClr>
+            </a:gs>
+            <a:gs pos="100000">
+              <a:schemeClr val="phClr">
+                <a:lumMod val="99000"/>
+                <a:satMod val="120000"/>
+                <a:shade val="78000"/>
+              </a:schemeClr>
+            </a:gs>
+          </a:gsLst>
+          <a:lin ang="5400000" scaled="0"/>
+        </a:gradFill>
+      </a:fillStyleLst>
+      <a:lnStyleLst>
+        <a:ln w="6350" cap="flat" cmpd="sng" algn="ctr">
+          <a:solidFill>
+            <a:schemeClr val="phClr"/>
+          </a:solidFill>
+          <a:prstDash val="solid"/>
+          <a:miter lim="800000"/>
+        </a:ln>
+        <a:ln w="12700" cap="flat" cmpd="sng" algn="ctr">
+          <a:solidFill>
+            <a:schemeClr val="phClr"/>
+          </a:solidFill>
+          <a:prstDash val="solid"/>
+          <a:miter lim="800000"/>
+        </a:ln>
+        <a:ln w="19050" cap="flat" cmpd="sng" algn="ctr">
+          <a:solidFill>
+            <a:schemeClr val="phClr"/>
+          </a:solidFill>
+          <a:prstDash val="solid"/>
+          <a:miter lim="800000"/>
+        </a:ln>
+      </a:lnStyleLst>
+      <a:effectStyleLst>
+        <a:effectStyle>
+          <a:effectLst/>
+        </a:effectStyle>
+        <a:effectStyle>
+          <a:effectLst/>
+        </a:effectStyle>
+        <a:effectStyle>
+          <a:effectLst>
+            <a:outerShdw blurRad="57150" dist="19050" dir="5400000" algn="ctr" rotWithShape="0">
+              <a:srgbClr val="000000">
+                <a:alpha val="63000"/>
+              </a:srgbClr>
+            </a:outerShdw>
+          </a:effectLst>
+        </a:effectStyle>
+      </a:effectStyleLst>
+      <a:bgFillStyleLst>
+        <a:solidFill>
+          <a:schemeClr val="phClr"/>
+        </a:solidFill>
+        <a:solidFill>
+          <a:schemeClr val="phClr">
+            <a:tint val="95000"/>
+            <a:satMod val="170000"/>
+          </a:schemeClr>
+        </a:solidFill>
+        <a:gradFill rotWithShape="1">
+          <a:gsLst>
+            <a:gs pos="0">
+              <a:schemeClr val="phClr">
+                <a:tint val="93000"/>
+                <a:satMod val="150000"/>
+                <a:shade val="98000"/>
+                <a:lumMod val="102000"/>
+              </a:schemeClr>
+            </a:gs>
+            <a:gs pos="50000">
+              <a:schemeClr val="phClr">
+                <a:tint val="98000"/>
+                <a:satMod val="130000"/>
+                <a:shade val="90000"/>
+                <a:lumMod val="103000"/>
+              </a:schemeClr>
+            </a:gs>
+            <a:gs pos="100000">
+              <a:schemeClr val="phClr">
+                <a:shade val="63000"/>
+                <a:satMod val="120000"/>
+              </a:schemeClr>
+            </a:gs>
+          </a:gsLst>
+          <a:lin ang="5400000" scaled="0"/>
+        </a:gradFill>
+      </a:bgFillStyleLst>
+    </a:fmtScheme>
+  </a:themeElements>
+  <a:objectDefaults/>
+  <a:extraClrSchemeLst/>
+  <a:extLst>
+    <a:ext uri="{05A4C25C-085E-4340-85A3-A5531E510DB2}">
+      <thm15:themeFamily xmlns:thm15="http://schemas.microsoft.com/office/thememl/2012/main" name="Office Theme" id="{62F939B6-93AF-4DB8-9C6B-D6C7DFDC589F}" vid="{4A3C46E8-61CC-4603-A589-7422A47A8E4A}"/>
+    </a:ext>
+  </a:extLst>
+</a:theme>
 </file>
--- a/Report/Power Bi.pptx
+++ b/Report/Power Bi.pptx
@@ -9134,7 +9134,7 @@
     <a:masterClrMapping/>
   </p:clrMapOvr>
   <p:transition spd="slow">
-    <p:push dir="u"/>
+    <p:push dir="r"/>
   </p:transition>
 </p:sld>
 </file>
@@ -9486,6 +9486,9 @@
   <p:clrMapOvr>
     <a:masterClrMapping/>
   </p:clrMapOvr>
+  <p:transition spd="slow">
+    <p:push dir="u"/>
+  </p:transition>
 </p:sld>
 </file>
 
@@ -9616,6 +9619,9 @@
   <p:clrMapOvr>
     <a:masterClrMapping/>
   </p:clrMapOvr>
+  <p:transition spd="slow">
+    <p:push dir="u"/>
+  </p:transition>
 </p:sld>
 </file>
 
@@ -9774,6 +9780,9 @@
   <p:clrMapOvr>
     <a:masterClrMapping/>
   </p:clrMapOvr>
+  <p:transition spd="slow">
+    <p:push dir="u"/>
+  </p:transition>
 </p:sld>
 </file>
 
